--- a/Part I/Workshop-I.pptx
+++ b/Part I/Workshop-I.pptx
@@ -5,7 +5,7 @@
     <p:sldMasterId id="2147483661" r:id="rId4"/>
   </p:sldMasterIdLst>
   <p:notesMasterIdLst>
-    <p:notesMasterId r:id="rId10"/>
+    <p:notesMasterId r:id="rId14"/>
   </p:notesMasterIdLst>
   <p:sldIdLst>
     <p:sldId id="256" r:id="rId5"/>
@@ -13,6 +13,10 @@
     <p:sldId id="259" r:id="rId7"/>
     <p:sldId id="261" r:id="rId8"/>
     <p:sldId id="262" r:id="rId9"/>
+    <p:sldId id="263" r:id="rId10"/>
+    <p:sldId id="264" r:id="rId11"/>
+    <p:sldId id="265" r:id="rId12"/>
+    <p:sldId id="266" r:id="rId13"/>
   </p:sldIdLst>
   <p:sldSz cx="18288000" cy="10288588"/>
   <p:notesSz cx="6858000" cy="9144000"/>
@@ -230,7 +234,7 @@
           <a:p>
             <a:fld id="{37E01EE1-980E-5041-99CA-AE19F2476FCE}" type="datetimeFigureOut">
               <a:rPr lang="ru-RU" smtClean="0"/>
-              <a:t>13.04.2023</a:t>
+              <a:t>14.04.2023</a:t>
             </a:fld>
             <a:endParaRPr lang="ru-RU"/>
           </a:p>
@@ -11531,6 +11535,383 @@
 </p:sld>
 </file>
 
+<file path=ppt/slides/slide6.xml><?xml version="1.0" encoding="utf-8"?>
+<p:sld xmlns:a="http://schemas.openxmlformats.org/drawingml/2006/main" xmlns:r="http://schemas.openxmlformats.org/officeDocument/2006/relationships" xmlns:p="http://schemas.openxmlformats.org/presentationml/2006/main">
+  <p:cSld>
+    <p:spTree>
+      <p:nvGrpSpPr>
+        <p:cNvPr id="1" name=""/>
+        <p:cNvGrpSpPr/>
+        <p:nvPr/>
+      </p:nvGrpSpPr>
+      <p:grpSpPr>
+        <a:xfrm>
+          <a:off x="0" y="0"/>
+          <a:ext cx="0" cy="0"/>
+          <a:chOff x="0" y="0"/>
+          <a:chExt cx="0" cy="0"/>
+        </a:xfrm>
+      </p:grpSpPr>
+      <p:sp>
+        <p:nvSpPr>
+          <p:cNvPr id="3" name="Title 2">
+            <a:extLst>
+              <a:ext uri="{FF2B5EF4-FFF2-40B4-BE49-F238E27FC236}">
+                <a16:creationId xmlns:a16="http://schemas.microsoft.com/office/drawing/2014/main" id="{706501E4-6246-A606-7483-C427CF30CD57}"/>
+              </a:ext>
+            </a:extLst>
+          </p:cNvPr>
+          <p:cNvSpPr>
+            <a:spLocks noGrp="1"/>
+          </p:cNvSpPr>
+          <p:nvPr>
+            <p:ph type="title"/>
+          </p:nvPr>
+        </p:nvSpPr>
+        <p:spPr/>
+        <p:txBody>
+          <a:bodyPr/>
+          <a:lstStyle/>
+          <a:p>
+            <a:r>
+              <a:rPr lang="en-US" dirty="0"/>
+              <a:t>Deployment</a:t>
+            </a:r>
+            <a:endParaRPr lang="en-RU" dirty="0"/>
+          </a:p>
+        </p:txBody>
+      </p:sp>
+      <p:pic>
+        <p:nvPicPr>
+          <p:cNvPr id="2" name="Picture 1">
+            <a:extLst>
+              <a:ext uri="{FF2B5EF4-FFF2-40B4-BE49-F238E27FC236}">
+                <a16:creationId xmlns:a16="http://schemas.microsoft.com/office/drawing/2014/main" id="{2A456C20-ECCF-C086-1082-362B6BEE2682}"/>
+              </a:ext>
+            </a:extLst>
+          </p:cNvPr>
+          <p:cNvPicPr>
+            <a:picLocks noChangeAspect="1"/>
+          </p:cNvPicPr>
+          <p:nvPr/>
+        </p:nvPicPr>
+        <p:blipFill>
+          <a:blip r:embed="rId2">
+            <a:extLst>
+              <a:ext uri="{28A0092B-C50C-407E-A947-70E740481C1C}">
+                <a14:useLocalDpi xmlns:a14="http://schemas.microsoft.com/office/drawing/2010/main" val="0"/>
+              </a:ext>
+            </a:extLst>
+          </a:blip>
+          <a:stretch>
+            <a:fillRect/>
+          </a:stretch>
+        </p:blipFill>
+        <p:spPr>
+          <a:xfrm>
+            <a:off x="2704387" y="2774751"/>
+            <a:ext cx="12879226" cy="6366017"/>
+          </a:xfrm>
+          <a:prstGeom prst="rect">
+            <a:avLst/>
+          </a:prstGeom>
+        </p:spPr>
+      </p:pic>
+    </p:spTree>
+    <p:extLst>
+      <p:ext uri="{BB962C8B-B14F-4D97-AF65-F5344CB8AC3E}">
+        <p14:creationId xmlns:p14="http://schemas.microsoft.com/office/powerpoint/2010/main" val="1009337504"/>
+      </p:ext>
+    </p:extLst>
+  </p:cSld>
+  <p:clrMapOvr>
+    <a:masterClrMapping/>
+  </p:clrMapOvr>
+</p:sld>
+</file>
+
+<file path=ppt/slides/slide7.xml><?xml version="1.0" encoding="utf-8"?>
+<p:sld xmlns:a="http://schemas.openxmlformats.org/drawingml/2006/main" xmlns:r="http://schemas.openxmlformats.org/officeDocument/2006/relationships" xmlns:p="http://schemas.openxmlformats.org/presentationml/2006/main">
+  <p:cSld>
+    <p:spTree>
+      <p:nvGrpSpPr>
+        <p:cNvPr id="1" name=""/>
+        <p:cNvGrpSpPr/>
+        <p:nvPr/>
+      </p:nvGrpSpPr>
+      <p:grpSpPr>
+        <a:xfrm>
+          <a:off x="0" y="0"/>
+          <a:ext cx="0" cy="0"/>
+          <a:chOff x="0" y="0"/>
+          <a:chExt cx="0" cy="0"/>
+        </a:xfrm>
+      </p:grpSpPr>
+      <p:sp>
+        <p:nvSpPr>
+          <p:cNvPr id="3" name="Title 2">
+            <a:extLst>
+              <a:ext uri="{FF2B5EF4-FFF2-40B4-BE49-F238E27FC236}">
+                <a16:creationId xmlns:a16="http://schemas.microsoft.com/office/drawing/2014/main" id="{706501E4-6246-A606-7483-C427CF30CD57}"/>
+              </a:ext>
+            </a:extLst>
+          </p:cNvPr>
+          <p:cNvSpPr>
+            <a:spLocks noGrp="1"/>
+          </p:cNvSpPr>
+          <p:nvPr>
+            <p:ph type="title"/>
+          </p:nvPr>
+        </p:nvSpPr>
+        <p:spPr/>
+        <p:txBody>
+          <a:bodyPr/>
+          <a:lstStyle/>
+          <a:p>
+            <a:r>
+              <a:rPr lang="en-US" dirty="0"/>
+              <a:t>Service</a:t>
+            </a:r>
+            <a:endParaRPr lang="en-RU" dirty="0"/>
+          </a:p>
+        </p:txBody>
+      </p:sp>
+      <p:pic>
+        <p:nvPicPr>
+          <p:cNvPr id="5" name="Picture 4">
+            <a:extLst>
+              <a:ext uri="{FF2B5EF4-FFF2-40B4-BE49-F238E27FC236}">
+                <a16:creationId xmlns:a16="http://schemas.microsoft.com/office/drawing/2014/main" id="{DA110DCA-B0EE-521A-3320-AC315DDB69DC}"/>
+              </a:ext>
+            </a:extLst>
+          </p:cNvPr>
+          <p:cNvPicPr>
+            <a:picLocks noChangeAspect="1"/>
+          </p:cNvPicPr>
+          <p:nvPr/>
+        </p:nvPicPr>
+        <p:blipFill>
+          <a:blip r:embed="rId2">
+            <a:extLst>
+              <a:ext uri="{28A0092B-C50C-407E-A947-70E740481C1C}">
+                <a14:useLocalDpi xmlns:a14="http://schemas.microsoft.com/office/drawing/2010/main" val="0"/>
+              </a:ext>
+            </a:extLst>
+          </a:blip>
+          <a:stretch>
+            <a:fillRect/>
+          </a:stretch>
+        </p:blipFill>
+        <p:spPr>
+          <a:xfrm>
+            <a:off x="6250080" y="1572783"/>
+            <a:ext cx="5787839" cy="8089822"/>
+          </a:xfrm>
+          <a:prstGeom prst="rect">
+            <a:avLst/>
+          </a:prstGeom>
+        </p:spPr>
+      </p:pic>
+    </p:spTree>
+    <p:extLst>
+      <p:ext uri="{BB962C8B-B14F-4D97-AF65-F5344CB8AC3E}">
+        <p14:creationId xmlns:p14="http://schemas.microsoft.com/office/powerpoint/2010/main" val="3320755889"/>
+      </p:ext>
+    </p:extLst>
+  </p:cSld>
+  <p:clrMapOvr>
+    <a:masterClrMapping/>
+  </p:clrMapOvr>
+</p:sld>
+</file>
+
+<file path=ppt/slides/slide8.xml><?xml version="1.0" encoding="utf-8"?>
+<p:sld xmlns:a="http://schemas.openxmlformats.org/drawingml/2006/main" xmlns:r="http://schemas.openxmlformats.org/officeDocument/2006/relationships" xmlns:p="http://schemas.openxmlformats.org/presentationml/2006/main">
+  <p:cSld>
+    <p:spTree>
+      <p:nvGrpSpPr>
+        <p:cNvPr id="1" name=""/>
+        <p:cNvGrpSpPr/>
+        <p:nvPr/>
+      </p:nvGrpSpPr>
+      <p:grpSpPr>
+        <a:xfrm>
+          <a:off x="0" y="0"/>
+          <a:ext cx="0" cy="0"/>
+          <a:chOff x="0" y="0"/>
+          <a:chExt cx="0" cy="0"/>
+        </a:xfrm>
+      </p:grpSpPr>
+      <p:sp>
+        <p:nvSpPr>
+          <p:cNvPr id="3" name="Title 2">
+            <a:extLst>
+              <a:ext uri="{FF2B5EF4-FFF2-40B4-BE49-F238E27FC236}">
+                <a16:creationId xmlns:a16="http://schemas.microsoft.com/office/drawing/2014/main" id="{706501E4-6246-A606-7483-C427CF30CD57}"/>
+              </a:ext>
+            </a:extLst>
+          </p:cNvPr>
+          <p:cNvSpPr>
+            <a:spLocks noGrp="1"/>
+          </p:cNvSpPr>
+          <p:nvPr>
+            <p:ph type="title"/>
+          </p:nvPr>
+        </p:nvSpPr>
+        <p:spPr/>
+        <p:txBody>
+          <a:bodyPr/>
+          <a:lstStyle/>
+          <a:p>
+            <a:r>
+              <a:rPr lang="en-US" dirty="0"/>
+              <a:t>Ingress</a:t>
+            </a:r>
+            <a:endParaRPr lang="en-RU" dirty="0"/>
+          </a:p>
+        </p:txBody>
+      </p:sp>
+      <p:pic>
+        <p:nvPicPr>
+          <p:cNvPr id="4" name="Picture 3">
+            <a:extLst>
+              <a:ext uri="{FF2B5EF4-FFF2-40B4-BE49-F238E27FC236}">
+                <a16:creationId xmlns:a16="http://schemas.microsoft.com/office/drawing/2014/main" id="{ADFF067C-9757-B117-7C46-6B209BC064BA}"/>
+              </a:ext>
+            </a:extLst>
+          </p:cNvPr>
+          <p:cNvPicPr>
+            <a:picLocks noChangeAspect="1"/>
+          </p:cNvPicPr>
+          <p:nvPr/>
+        </p:nvPicPr>
+        <p:blipFill>
+          <a:blip r:embed="rId2">
+            <a:extLst>
+              <a:ext uri="{28A0092B-C50C-407E-A947-70E740481C1C}">
+                <a14:useLocalDpi xmlns:a14="http://schemas.microsoft.com/office/drawing/2010/main" val="0"/>
+              </a:ext>
+            </a:extLst>
+          </a:blip>
+          <a:stretch>
+            <a:fillRect/>
+          </a:stretch>
+        </p:blipFill>
+        <p:spPr>
+          <a:xfrm>
+            <a:off x="3727752" y="1997747"/>
+            <a:ext cx="7343066" cy="7174044"/>
+          </a:xfrm>
+          <a:prstGeom prst="rect">
+            <a:avLst/>
+          </a:prstGeom>
+        </p:spPr>
+      </p:pic>
+    </p:spTree>
+    <p:extLst>
+      <p:ext uri="{BB962C8B-B14F-4D97-AF65-F5344CB8AC3E}">
+        <p14:creationId xmlns:p14="http://schemas.microsoft.com/office/powerpoint/2010/main" val="6171073"/>
+      </p:ext>
+    </p:extLst>
+  </p:cSld>
+  <p:clrMapOvr>
+    <a:masterClrMapping/>
+  </p:clrMapOvr>
+</p:sld>
+</file>
+
+<file path=ppt/slides/slide9.xml><?xml version="1.0" encoding="utf-8"?>
+<p:sld xmlns:a="http://schemas.openxmlformats.org/drawingml/2006/main" xmlns:r="http://schemas.openxmlformats.org/officeDocument/2006/relationships" xmlns:p="http://schemas.openxmlformats.org/presentationml/2006/main">
+  <p:cSld>
+    <p:spTree>
+      <p:nvGrpSpPr>
+        <p:cNvPr id="1" name=""/>
+        <p:cNvGrpSpPr/>
+        <p:nvPr/>
+      </p:nvGrpSpPr>
+      <p:grpSpPr>
+        <a:xfrm>
+          <a:off x="0" y="0"/>
+          <a:ext cx="0" cy="0"/>
+          <a:chOff x="0" y="0"/>
+          <a:chExt cx="0" cy="0"/>
+        </a:xfrm>
+      </p:grpSpPr>
+      <p:sp>
+        <p:nvSpPr>
+          <p:cNvPr id="3" name="Title 2">
+            <a:extLst>
+              <a:ext uri="{FF2B5EF4-FFF2-40B4-BE49-F238E27FC236}">
+                <a16:creationId xmlns:a16="http://schemas.microsoft.com/office/drawing/2014/main" id="{706501E4-6246-A606-7483-C427CF30CD57}"/>
+              </a:ext>
+            </a:extLst>
+          </p:cNvPr>
+          <p:cNvSpPr>
+            <a:spLocks noGrp="1"/>
+          </p:cNvSpPr>
+          <p:nvPr>
+            <p:ph type="title"/>
+          </p:nvPr>
+        </p:nvSpPr>
+        <p:spPr/>
+        <p:txBody>
+          <a:bodyPr/>
+          <a:lstStyle/>
+          <a:p>
+            <a:r>
+              <a:rPr lang="en-US" dirty="0"/>
+              <a:t>High view</a:t>
+            </a:r>
+            <a:endParaRPr lang="en-RU" dirty="0"/>
+          </a:p>
+        </p:txBody>
+      </p:sp>
+      <p:pic>
+        <p:nvPicPr>
+          <p:cNvPr id="6" name="k8s_min.drawio.png" descr="k8s_min.drawio.png">
+            <a:extLst>
+              <a:ext uri="{FF2B5EF4-FFF2-40B4-BE49-F238E27FC236}">
+                <a16:creationId xmlns:a16="http://schemas.microsoft.com/office/drawing/2014/main" id="{FAC7BEF5-23E8-84A5-F4FC-C20D87D90225}"/>
+              </a:ext>
+            </a:extLst>
+          </p:cNvPr>
+          <p:cNvPicPr>
+            <a:picLocks noChangeAspect="1"/>
+          </p:cNvPicPr>
+          <p:nvPr/>
+        </p:nvPicPr>
+        <p:blipFill>
+          <a:blip r:embed="rId2"/>
+          <a:stretch>
+            <a:fillRect/>
+          </a:stretch>
+        </p:blipFill>
+        <p:spPr>
+          <a:xfrm>
+            <a:off x="5710428" y="890480"/>
+            <a:ext cx="6867144" cy="8507628"/>
+          </a:xfrm>
+          <a:prstGeom prst="rect">
+            <a:avLst/>
+          </a:prstGeom>
+          <a:ln w="12700">
+            <a:miter lim="400000"/>
+          </a:ln>
+        </p:spPr>
+      </p:pic>
+    </p:spTree>
+    <p:extLst>
+      <p:ext uri="{BB962C8B-B14F-4D97-AF65-F5344CB8AC3E}">
+        <p14:creationId xmlns:p14="http://schemas.microsoft.com/office/powerpoint/2010/main" val="1603658751"/>
+      </p:ext>
+    </p:extLst>
+  </p:cSld>
+  <p:clrMapOvr>
+    <a:masterClrMapping/>
+  </p:clrMapOvr>
+</p:sld>
+</file>
+
 <file path=ppt/theme/theme1.xml><?xml version="1.0" encoding="utf-8"?>
 <a:theme xmlns:a="http://schemas.openxmlformats.org/drawingml/2006/main" name="Corporate-2021">
   <a:themeElements>
@@ -12037,6 +12418,17 @@
 </file>
 
 <file path=customXml/item2.xml><?xml version="1.0" encoding="utf-8"?>
+<p:properties xmlns:p="http://schemas.microsoft.com/office/2006/metadata/properties" xmlns:xsi="http://www.w3.org/2001/XMLSchema-instance" xmlns:pc="http://schemas.microsoft.com/office/infopath/2007/PartnerControls">
+  <documentManagement>
+    <lcf76f155ced4ddcb4097134ff3c332f xmlns="87e595e6-2bfb-444b-8c2a-22d7ac5c8c1c">
+      <Terms xmlns="http://schemas.microsoft.com/office/infopath/2007/PartnerControls"/>
+    </lcf76f155ced4ddcb4097134ff3c332f>
+    <TaxCatchAll xmlns="d31a9763-ad48-4d75-b4cc-dbd081bef165" xsi:nil="true"/>
+  </documentManagement>
+</p:properties>
+</file>
+
+<file path=customXml/item3.xml><?xml version="1.0" encoding="utf-8"?>
 <ct:contentTypeSchema xmlns:ct="http://schemas.microsoft.com/office/2006/metadata/contentType" xmlns:ma="http://schemas.microsoft.com/office/2006/metadata/properties/metaAttributes" ct:_="" ma:_="" ma:contentTypeName="Document" ma:contentTypeID="0x010100454DC51C4310A147BD2D10A84BE7DF5B" ma:contentTypeVersion="14" ma:contentTypeDescription="Create a new document." ma:contentTypeScope="" ma:versionID="58153d9a8ca4cd003aa5c61a075b6dbf">
   <xsd:schema xmlns:xsd="http://www.w3.org/2001/XMLSchema" xmlns:xs="http://www.w3.org/2001/XMLSchema" xmlns:p="http://schemas.microsoft.com/office/2006/metadata/properties" xmlns:ns2="87e595e6-2bfb-444b-8c2a-22d7ac5c8c1c" xmlns:ns3="d31a9763-ad48-4d75-b4cc-dbd081bef165" targetNamespace="http://schemas.microsoft.com/office/2006/metadata/properties" ma:root="true" ma:fieldsID="ca74c81c5f13de2ce0dc44d80fd826d0" ns2:_="" ns3:_="">
     <xsd:import namespace="87e595e6-2bfb-444b-8c2a-22d7ac5c8c1c"/>
@@ -12267,17 +12659,6 @@
 </ct:contentTypeSchema>
 </file>
 
-<file path=customXml/item3.xml><?xml version="1.0" encoding="utf-8"?>
-<p:properties xmlns:p="http://schemas.microsoft.com/office/2006/metadata/properties" xmlns:xsi="http://www.w3.org/2001/XMLSchema-instance" xmlns:pc="http://schemas.microsoft.com/office/infopath/2007/PartnerControls">
-  <documentManagement>
-    <lcf76f155ced4ddcb4097134ff3c332f xmlns="87e595e6-2bfb-444b-8c2a-22d7ac5c8c1c">
-      <Terms xmlns="http://schemas.microsoft.com/office/infopath/2007/PartnerControls"/>
-    </lcf76f155ced4ddcb4097134ff3c332f>
-    <TaxCatchAll xmlns="d31a9763-ad48-4d75-b4cc-dbd081bef165" xsi:nil="true"/>
-  </documentManagement>
-</p:properties>
-</file>
-
 <file path=customXml/itemProps1.xml><?xml version="1.0" encoding="utf-8"?>
 <ds:datastoreItem xmlns:ds="http://schemas.openxmlformats.org/officeDocument/2006/customXml" ds:itemID="{C174268B-32CC-45F6-B320-01F53DDAC9E9}">
   <ds:schemaRefs>
@@ -12287,6 +12668,23 @@
 </file>
 
 <file path=customXml/itemProps2.xml><?xml version="1.0" encoding="utf-8"?>
+<ds:datastoreItem xmlns:ds="http://schemas.openxmlformats.org/officeDocument/2006/customXml" ds:itemID="{402D52D5-8A09-4C80-995A-0B98512BFFC1}">
+  <ds:schemaRefs>
+    <ds:schemaRef ds:uri="http://purl.org/dc/elements/1.1/"/>
+    <ds:schemaRef ds:uri="87e595e6-2bfb-444b-8c2a-22d7ac5c8c1c"/>
+    <ds:schemaRef ds:uri="http://purl.org/dc/dcmitype/"/>
+    <ds:schemaRef ds:uri="http://schemas.microsoft.com/office/2006/documentManagement/types"/>
+    <ds:schemaRef ds:uri="http://schemas.openxmlformats.org/package/2006/metadata/core-properties"/>
+    <ds:schemaRef ds:uri="http://schemas.microsoft.com/office/infopath/2007/PartnerControls"/>
+    <ds:schemaRef ds:uri="d31a9763-ad48-4d75-b4cc-dbd081bef165"/>
+    <ds:schemaRef ds:uri="http://schemas.microsoft.com/office/2006/metadata/properties"/>
+    <ds:schemaRef ds:uri="http://www.w3.org/XML/1998/namespace"/>
+    <ds:schemaRef ds:uri="http://purl.org/dc/terms/"/>
+  </ds:schemaRefs>
+</ds:datastoreItem>
+</file>
+
+<file path=customXml/itemProps3.xml><?xml version="1.0" encoding="utf-8"?>
 <ds:datastoreItem xmlns:ds="http://schemas.openxmlformats.org/officeDocument/2006/customXml" ds:itemID="{F0BD7E9F-81C8-43A4-A403-00941A4FA9DA}">
   <ds:schemaRefs>
     <ds:schemaRef ds:uri="87e595e6-2bfb-444b-8c2a-22d7ac5c8c1c"/>
@@ -12303,21 +12701,4 @@
     <ds:schemaRef ds:uri="http://www.w3.org/2001/XMLSchema"/>
   </ds:schemaRefs>
 </ds:datastoreItem>
-</file>
-
-<file path=customXml/itemProps3.xml><?xml version="1.0" encoding="utf-8"?>
-<ds:datastoreItem xmlns:ds="http://schemas.openxmlformats.org/officeDocument/2006/customXml" ds:itemID="{402D52D5-8A09-4C80-995A-0B98512BFFC1}">
-  <ds:schemaRefs>
-    <ds:schemaRef ds:uri="http://purl.org/dc/elements/1.1/"/>
-    <ds:schemaRef ds:uri="87e595e6-2bfb-444b-8c2a-22d7ac5c8c1c"/>
-    <ds:schemaRef ds:uri="http://purl.org/dc/dcmitype/"/>
-    <ds:schemaRef ds:uri="http://schemas.microsoft.com/office/2006/documentManagement/types"/>
-    <ds:schemaRef ds:uri="http://schemas.openxmlformats.org/package/2006/metadata/core-properties"/>
-    <ds:schemaRef ds:uri="http://schemas.microsoft.com/office/infopath/2007/PartnerControls"/>
-    <ds:schemaRef ds:uri="d31a9763-ad48-4d75-b4cc-dbd081bef165"/>
-    <ds:schemaRef ds:uri="http://schemas.microsoft.com/office/2006/metadata/properties"/>
-    <ds:schemaRef ds:uri="http://www.w3.org/XML/1998/namespace"/>
-    <ds:schemaRef ds:uri="http://purl.org/dc/terms/"/>
-  </ds:schemaRefs>
-</ds:datastoreItem>
 </file>
--- a/Part I/Workshop-I.pptx
+++ b/Part I/Workshop-I.pptx
@@ -5,18 +5,19 @@
     <p:sldMasterId id="2147483661" r:id="rId4"/>
   </p:sldMasterIdLst>
   <p:notesMasterIdLst>
-    <p:notesMasterId r:id="rId14"/>
+    <p:notesMasterId r:id="rId15"/>
   </p:notesMasterIdLst>
   <p:sldIdLst>
     <p:sldId id="256" r:id="rId5"/>
     <p:sldId id="260" r:id="rId6"/>
     <p:sldId id="259" r:id="rId7"/>
-    <p:sldId id="261" r:id="rId8"/>
-    <p:sldId id="262" r:id="rId9"/>
-    <p:sldId id="263" r:id="rId10"/>
-    <p:sldId id="264" r:id="rId11"/>
-    <p:sldId id="265" r:id="rId12"/>
-    <p:sldId id="266" r:id="rId13"/>
+    <p:sldId id="267" r:id="rId8"/>
+    <p:sldId id="261" r:id="rId9"/>
+    <p:sldId id="262" r:id="rId10"/>
+    <p:sldId id="263" r:id="rId11"/>
+    <p:sldId id="264" r:id="rId12"/>
+    <p:sldId id="265" r:id="rId13"/>
+    <p:sldId id="266" r:id="rId14"/>
   </p:sldIdLst>
   <p:sldSz cx="18288000" cy="10288588"/>
   <p:notesSz cx="6858000" cy="9144000"/>
@@ -234,7 +235,7 @@
           <a:p>
             <a:fld id="{37E01EE1-980E-5041-99CA-AE19F2476FCE}" type="datetimeFigureOut">
               <a:rPr lang="ru-RU" smtClean="0"/>
-              <a:t>14.04.2023</a:t>
+              <a:t>18.04.2023</a:t>
             </a:fld>
             <a:endParaRPr lang="ru-RU"/>
           </a:p>
@@ -11152,6 +11153,98 @@
 </p:sld>
 </file>
 
+<file path=ppt/slides/slide10.xml><?xml version="1.0" encoding="utf-8"?>
+<p:sld xmlns:a="http://schemas.openxmlformats.org/drawingml/2006/main" xmlns:r="http://schemas.openxmlformats.org/officeDocument/2006/relationships" xmlns:p="http://schemas.openxmlformats.org/presentationml/2006/main">
+  <p:cSld>
+    <p:spTree>
+      <p:nvGrpSpPr>
+        <p:cNvPr id="1" name=""/>
+        <p:cNvGrpSpPr/>
+        <p:nvPr/>
+      </p:nvGrpSpPr>
+      <p:grpSpPr>
+        <a:xfrm>
+          <a:off x="0" y="0"/>
+          <a:ext cx="0" cy="0"/>
+          <a:chOff x="0" y="0"/>
+          <a:chExt cx="0" cy="0"/>
+        </a:xfrm>
+      </p:grpSpPr>
+      <p:sp>
+        <p:nvSpPr>
+          <p:cNvPr id="3" name="Title 2">
+            <a:extLst>
+              <a:ext uri="{FF2B5EF4-FFF2-40B4-BE49-F238E27FC236}">
+                <a16:creationId xmlns:a16="http://schemas.microsoft.com/office/drawing/2014/main" id="{706501E4-6246-A606-7483-C427CF30CD57}"/>
+              </a:ext>
+            </a:extLst>
+          </p:cNvPr>
+          <p:cNvSpPr>
+            <a:spLocks noGrp="1"/>
+          </p:cNvSpPr>
+          <p:nvPr>
+            <p:ph type="title"/>
+          </p:nvPr>
+        </p:nvSpPr>
+        <p:spPr/>
+        <p:txBody>
+          <a:bodyPr/>
+          <a:lstStyle/>
+          <a:p>
+            <a:r>
+              <a:rPr lang="en-US" dirty="0"/>
+              <a:t>High level</a:t>
+            </a:r>
+            <a:endParaRPr lang="en-RU" dirty="0"/>
+          </a:p>
+        </p:txBody>
+      </p:sp>
+      <p:pic>
+        <p:nvPicPr>
+          <p:cNvPr id="6" name="k8s_min.drawio.png" descr="k8s_min.drawio.png">
+            <a:extLst>
+              <a:ext uri="{FF2B5EF4-FFF2-40B4-BE49-F238E27FC236}">
+                <a16:creationId xmlns:a16="http://schemas.microsoft.com/office/drawing/2014/main" id="{FAC7BEF5-23E8-84A5-F4FC-C20D87D90225}"/>
+              </a:ext>
+            </a:extLst>
+          </p:cNvPr>
+          <p:cNvPicPr>
+            <a:picLocks noChangeAspect="1"/>
+          </p:cNvPicPr>
+          <p:nvPr/>
+        </p:nvPicPr>
+        <p:blipFill>
+          <a:blip r:embed="rId2"/>
+          <a:stretch>
+            <a:fillRect/>
+          </a:stretch>
+        </p:blipFill>
+        <p:spPr>
+          <a:xfrm>
+            <a:off x="5710428" y="890480"/>
+            <a:ext cx="6867144" cy="8507628"/>
+          </a:xfrm>
+          <a:prstGeom prst="rect">
+            <a:avLst/>
+          </a:prstGeom>
+          <a:ln w="12700">
+            <a:miter lim="400000"/>
+          </a:ln>
+        </p:spPr>
+      </p:pic>
+    </p:spTree>
+    <p:extLst>
+      <p:ext uri="{BB962C8B-B14F-4D97-AF65-F5344CB8AC3E}">
+        <p14:creationId xmlns:p14="http://schemas.microsoft.com/office/powerpoint/2010/main" val="1603658751"/>
+      </p:ext>
+    </p:extLst>
+  </p:cSld>
+  <p:clrMapOvr>
+    <a:masterClrMapping/>
+  </p:clrMapOvr>
+</p:sld>
+</file>
+
 <file path=ppt/slides/slide2.xml><?xml version="1.0" encoding="utf-8"?>
 <p:sld xmlns:a="http://schemas.openxmlformats.org/drawingml/2006/main" xmlns:r="http://schemas.openxmlformats.org/officeDocument/2006/relationships" xmlns:p="http://schemas.openxmlformats.org/presentationml/2006/main">
   <p:cSld>
@@ -11384,8 +11477,8 @@
           <a:lstStyle/>
           <a:p>
             <a:r>
-              <a:rPr lang="en-US" dirty="0"/>
-              <a:t>Nodes and Namespaces</a:t>
+              <a:rPr lang="en-US" dirty="0" err="1"/>
+              <a:t>Kubectl</a:t>
             </a:r>
             <a:endParaRPr lang="en-RU" dirty="0"/>
           </a:p>
@@ -11393,10 +11486,10 @@
       </p:sp>
       <p:pic>
         <p:nvPicPr>
-          <p:cNvPr id="4" name="Picture 3">
+          <p:cNvPr id="5" name="Picture 4">
             <a:extLst>
               <a:ext uri="{FF2B5EF4-FFF2-40B4-BE49-F238E27FC236}">
-                <a16:creationId xmlns:a16="http://schemas.microsoft.com/office/drawing/2014/main" id="{7CCEA2E3-F8B4-D9F6-B40F-9FF4239FC9EE}"/>
+                <a16:creationId xmlns:a16="http://schemas.microsoft.com/office/drawing/2014/main" id="{70F6B028-523E-BE63-42E7-7F0DE9D97983}"/>
               </a:ext>
             </a:extLst>
           </p:cNvPr>
@@ -11419,8 +11512,8 @@
         </p:blipFill>
         <p:spPr>
           <a:xfrm>
-            <a:off x="4818376" y="2696368"/>
-            <a:ext cx="8651247" cy="7068117"/>
+            <a:off x="3979298" y="2410633"/>
+            <a:ext cx="10329403" cy="5467321"/>
           </a:xfrm>
           <a:prstGeom prst="rect">
             <a:avLst/>
@@ -11430,7 +11523,7 @@
     </p:spTree>
     <p:extLst>
       <p:ext uri="{BB962C8B-B14F-4D97-AF65-F5344CB8AC3E}">
-        <p14:creationId xmlns:p14="http://schemas.microsoft.com/office/powerpoint/2010/main" val="2447174169"/>
+        <p14:creationId xmlns:p14="http://schemas.microsoft.com/office/powerpoint/2010/main" val="1749608049"/>
       </p:ext>
     </p:extLst>
   </p:cSld>
@@ -11480,6 +11573,101 @@
           <a:p>
             <a:r>
               <a:rPr lang="en-US" dirty="0"/>
+              <a:t>Nodes and Namespaces</a:t>
+            </a:r>
+            <a:endParaRPr lang="en-RU" dirty="0"/>
+          </a:p>
+        </p:txBody>
+      </p:sp>
+      <p:pic>
+        <p:nvPicPr>
+          <p:cNvPr id="5" name="Picture 4">
+            <a:extLst>
+              <a:ext uri="{FF2B5EF4-FFF2-40B4-BE49-F238E27FC236}">
+                <a16:creationId xmlns:a16="http://schemas.microsoft.com/office/drawing/2014/main" id="{60FF3CDD-13E9-D0B4-0F44-8070FE05EEA2}"/>
+              </a:ext>
+            </a:extLst>
+          </p:cNvPr>
+          <p:cNvPicPr>
+            <a:picLocks noChangeAspect="1"/>
+          </p:cNvPicPr>
+          <p:nvPr/>
+        </p:nvPicPr>
+        <p:blipFill>
+          <a:blip r:embed="rId2">
+            <a:extLst>
+              <a:ext uri="{28A0092B-C50C-407E-A947-70E740481C1C}">
+                <a14:useLocalDpi xmlns:a14="http://schemas.microsoft.com/office/drawing/2010/main" val="0"/>
+              </a:ext>
+            </a:extLst>
+          </a:blip>
+          <a:stretch>
+            <a:fillRect/>
+          </a:stretch>
+        </p:blipFill>
+        <p:spPr>
+          <a:xfrm>
+            <a:off x="5206526" y="2313486"/>
+            <a:ext cx="7874947" cy="6827282"/>
+          </a:xfrm>
+          <a:prstGeom prst="rect">
+            <a:avLst/>
+          </a:prstGeom>
+        </p:spPr>
+      </p:pic>
+    </p:spTree>
+    <p:extLst>
+      <p:ext uri="{BB962C8B-B14F-4D97-AF65-F5344CB8AC3E}">
+        <p14:creationId xmlns:p14="http://schemas.microsoft.com/office/powerpoint/2010/main" val="2447174169"/>
+      </p:ext>
+    </p:extLst>
+  </p:cSld>
+  <p:clrMapOvr>
+    <a:masterClrMapping/>
+  </p:clrMapOvr>
+</p:sld>
+</file>
+
+<file path=ppt/slides/slide6.xml><?xml version="1.0" encoding="utf-8"?>
+<p:sld xmlns:a="http://schemas.openxmlformats.org/drawingml/2006/main" xmlns:r="http://schemas.openxmlformats.org/officeDocument/2006/relationships" xmlns:p="http://schemas.openxmlformats.org/presentationml/2006/main">
+  <p:cSld>
+    <p:spTree>
+      <p:nvGrpSpPr>
+        <p:cNvPr id="1" name=""/>
+        <p:cNvGrpSpPr/>
+        <p:nvPr/>
+      </p:nvGrpSpPr>
+      <p:grpSpPr>
+        <a:xfrm>
+          <a:off x="0" y="0"/>
+          <a:ext cx="0" cy="0"/>
+          <a:chOff x="0" y="0"/>
+          <a:chExt cx="0" cy="0"/>
+        </a:xfrm>
+      </p:grpSpPr>
+      <p:sp>
+        <p:nvSpPr>
+          <p:cNvPr id="3" name="Title 2">
+            <a:extLst>
+              <a:ext uri="{FF2B5EF4-FFF2-40B4-BE49-F238E27FC236}">
+                <a16:creationId xmlns:a16="http://schemas.microsoft.com/office/drawing/2014/main" id="{706501E4-6246-A606-7483-C427CF30CD57}"/>
+              </a:ext>
+            </a:extLst>
+          </p:cNvPr>
+          <p:cNvSpPr>
+            <a:spLocks noGrp="1"/>
+          </p:cNvSpPr>
+          <p:nvPr>
+            <p:ph type="title"/>
+          </p:nvPr>
+        </p:nvSpPr>
+        <p:spPr/>
+        <p:txBody>
+          <a:bodyPr/>
+          <a:lstStyle/>
+          <a:p>
+            <a:r>
+              <a:rPr lang="en-US" dirty="0"/>
               <a:t>Pods</a:t>
             </a:r>
             <a:endParaRPr lang="en-RU" dirty="0"/>
@@ -11535,7 +11723,7 @@
 </p:sld>
 </file>
 
-<file path=ppt/slides/slide6.xml><?xml version="1.0" encoding="utf-8"?>
+<file path=ppt/slides/slide7.xml><?xml version="1.0" encoding="utf-8"?>
 <p:sld xmlns:a="http://schemas.openxmlformats.org/drawingml/2006/main" xmlns:r="http://schemas.openxmlformats.org/officeDocument/2006/relationships" xmlns:p="http://schemas.openxmlformats.org/presentationml/2006/main">
   <p:cSld>
     <p:spTree>
@@ -11630,7 +11818,7 @@
 </p:sld>
 </file>
 
-<file path=ppt/slides/slide7.xml><?xml version="1.0" encoding="utf-8"?>
+<file path=ppt/slides/slide8.xml><?xml version="1.0" encoding="utf-8"?>
 <p:sld xmlns:a="http://schemas.openxmlformats.org/drawingml/2006/main" xmlns:r="http://schemas.openxmlformats.org/officeDocument/2006/relationships" xmlns:p="http://schemas.openxmlformats.org/presentationml/2006/main">
   <p:cSld>
     <p:spTree>
@@ -11725,7 +11913,7 @@
 </p:sld>
 </file>
 
-<file path=ppt/slides/slide8.xml><?xml version="1.0" encoding="utf-8"?>
+<file path=ppt/slides/slide9.xml><?xml version="1.0" encoding="utf-8"?>
 <p:sld xmlns:a="http://schemas.openxmlformats.org/drawingml/2006/main" xmlns:r="http://schemas.openxmlformats.org/officeDocument/2006/relationships" xmlns:p="http://schemas.openxmlformats.org/presentationml/2006/main">
   <p:cSld>
     <p:spTree>
@@ -11811,98 +11999,6 @@
     <p:extLst>
       <p:ext uri="{BB962C8B-B14F-4D97-AF65-F5344CB8AC3E}">
         <p14:creationId xmlns:p14="http://schemas.microsoft.com/office/powerpoint/2010/main" val="6171073"/>
-      </p:ext>
-    </p:extLst>
-  </p:cSld>
-  <p:clrMapOvr>
-    <a:masterClrMapping/>
-  </p:clrMapOvr>
-</p:sld>
-</file>
-
-<file path=ppt/slides/slide9.xml><?xml version="1.0" encoding="utf-8"?>
-<p:sld xmlns:a="http://schemas.openxmlformats.org/drawingml/2006/main" xmlns:r="http://schemas.openxmlformats.org/officeDocument/2006/relationships" xmlns:p="http://schemas.openxmlformats.org/presentationml/2006/main">
-  <p:cSld>
-    <p:spTree>
-      <p:nvGrpSpPr>
-        <p:cNvPr id="1" name=""/>
-        <p:cNvGrpSpPr/>
-        <p:nvPr/>
-      </p:nvGrpSpPr>
-      <p:grpSpPr>
-        <a:xfrm>
-          <a:off x="0" y="0"/>
-          <a:ext cx="0" cy="0"/>
-          <a:chOff x="0" y="0"/>
-          <a:chExt cx="0" cy="0"/>
-        </a:xfrm>
-      </p:grpSpPr>
-      <p:sp>
-        <p:nvSpPr>
-          <p:cNvPr id="3" name="Title 2">
-            <a:extLst>
-              <a:ext uri="{FF2B5EF4-FFF2-40B4-BE49-F238E27FC236}">
-                <a16:creationId xmlns:a16="http://schemas.microsoft.com/office/drawing/2014/main" id="{706501E4-6246-A606-7483-C427CF30CD57}"/>
-              </a:ext>
-            </a:extLst>
-          </p:cNvPr>
-          <p:cNvSpPr>
-            <a:spLocks noGrp="1"/>
-          </p:cNvSpPr>
-          <p:nvPr>
-            <p:ph type="title"/>
-          </p:nvPr>
-        </p:nvSpPr>
-        <p:spPr/>
-        <p:txBody>
-          <a:bodyPr/>
-          <a:lstStyle/>
-          <a:p>
-            <a:r>
-              <a:rPr lang="en-US" dirty="0"/>
-              <a:t>High view</a:t>
-            </a:r>
-            <a:endParaRPr lang="en-RU" dirty="0"/>
-          </a:p>
-        </p:txBody>
-      </p:sp>
-      <p:pic>
-        <p:nvPicPr>
-          <p:cNvPr id="6" name="k8s_min.drawio.png" descr="k8s_min.drawio.png">
-            <a:extLst>
-              <a:ext uri="{FF2B5EF4-FFF2-40B4-BE49-F238E27FC236}">
-                <a16:creationId xmlns:a16="http://schemas.microsoft.com/office/drawing/2014/main" id="{FAC7BEF5-23E8-84A5-F4FC-C20D87D90225}"/>
-              </a:ext>
-            </a:extLst>
-          </p:cNvPr>
-          <p:cNvPicPr>
-            <a:picLocks noChangeAspect="1"/>
-          </p:cNvPicPr>
-          <p:nvPr/>
-        </p:nvPicPr>
-        <p:blipFill>
-          <a:blip r:embed="rId2"/>
-          <a:stretch>
-            <a:fillRect/>
-          </a:stretch>
-        </p:blipFill>
-        <p:spPr>
-          <a:xfrm>
-            <a:off x="5710428" y="890480"/>
-            <a:ext cx="6867144" cy="8507628"/>
-          </a:xfrm>
-          <a:prstGeom prst="rect">
-            <a:avLst/>
-          </a:prstGeom>
-          <a:ln w="12700">
-            <a:miter lim="400000"/>
-          </a:ln>
-        </p:spPr>
-      </p:pic>
-    </p:spTree>
-    <p:extLst>
-      <p:ext uri="{BB962C8B-B14F-4D97-AF65-F5344CB8AC3E}">
-        <p14:creationId xmlns:p14="http://schemas.microsoft.com/office/powerpoint/2010/main" val="1603658751"/>
       </p:ext>
     </p:extLst>
   </p:cSld>
@@ -12409,15 +12505,6 @@
 </file>
 
 <file path=customXml/item1.xml><?xml version="1.0" encoding="utf-8"?>
-<?mso-contentType ?>
-<FormTemplates xmlns="http://schemas.microsoft.com/sharepoint/v3/contenttype/forms">
-  <Display>DocumentLibraryForm</Display>
-  <Edit>DocumentLibraryForm</Edit>
-  <New>DocumentLibraryForm</New>
-</FormTemplates>
-</file>
-
-<file path=customXml/item2.xml><?xml version="1.0" encoding="utf-8"?>
 <p:properties xmlns:p="http://schemas.microsoft.com/office/2006/metadata/properties" xmlns:xsi="http://www.w3.org/2001/XMLSchema-instance" xmlns:pc="http://schemas.microsoft.com/office/infopath/2007/PartnerControls">
   <documentManagement>
     <lcf76f155ced4ddcb4097134ff3c332f xmlns="87e595e6-2bfb-444b-8c2a-22d7ac5c8c1c">
@@ -12426,6 +12513,15 @@
     <TaxCatchAll xmlns="d31a9763-ad48-4d75-b4cc-dbd081bef165" xsi:nil="true"/>
   </documentManagement>
 </p:properties>
+</file>
+
+<file path=customXml/item2.xml><?xml version="1.0" encoding="utf-8"?>
+<?mso-contentType ?>
+<FormTemplates xmlns="http://schemas.microsoft.com/sharepoint/v3/contenttype/forms">
+  <Display>DocumentLibraryForm</Display>
+  <Edit>DocumentLibraryForm</Edit>
+  <New>DocumentLibraryForm</New>
+</FormTemplates>
 </file>
 
 <file path=customXml/item3.xml><?xml version="1.0" encoding="utf-8"?>
@@ -12660,14 +12756,6 @@
 </file>
 
 <file path=customXml/itemProps1.xml><?xml version="1.0" encoding="utf-8"?>
-<ds:datastoreItem xmlns:ds="http://schemas.openxmlformats.org/officeDocument/2006/customXml" ds:itemID="{C174268B-32CC-45F6-B320-01F53DDAC9E9}">
-  <ds:schemaRefs>
-    <ds:schemaRef ds:uri="http://schemas.microsoft.com/sharepoint/v3/contenttype/forms"/>
-  </ds:schemaRefs>
-</ds:datastoreItem>
-</file>
-
-<file path=customXml/itemProps2.xml><?xml version="1.0" encoding="utf-8"?>
 <ds:datastoreItem xmlns:ds="http://schemas.openxmlformats.org/officeDocument/2006/customXml" ds:itemID="{402D52D5-8A09-4C80-995A-0B98512BFFC1}">
   <ds:schemaRefs>
     <ds:schemaRef ds:uri="http://purl.org/dc/elements/1.1/"/>
@@ -12680,6 +12768,14 @@
     <ds:schemaRef ds:uri="http://schemas.microsoft.com/office/2006/metadata/properties"/>
     <ds:schemaRef ds:uri="http://www.w3.org/XML/1998/namespace"/>
     <ds:schemaRef ds:uri="http://purl.org/dc/terms/"/>
+  </ds:schemaRefs>
+</ds:datastoreItem>
+</file>
+
+<file path=customXml/itemProps2.xml><?xml version="1.0" encoding="utf-8"?>
+<ds:datastoreItem xmlns:ds="http://schemas.openxmlformats.org/officeDocument/2006/customXml" ds:itemID="{C174268B-32CC-45F6-B320-01F53DDAC9E9}">
+  <ds:schemaRefs>
+    <ds:schemaRef ds:uri="http://schemas.microsoft.com/sharepoint/v3/contenttype/forms"/>
   </ds:schemaRefs>
 </ds:datastoreItem>
 </file>

--- a/Part I/Workshop-I.pptx
+++ b/Part I/Workshop-I.pptx
@@ -5,7 +5,7 @@
     <p:sldMasterId id="2147483661" r:id="rId4"/>
   </p:sldMasterIdLst>
   <p:notesMasterIdLst>
-    <p:notesMasterId r:id="rId15"/>
+    <p:notesMasterId r:id="rId17"/>
   </p:notesMasterIdLst>
   <p:sldIdLst>
     <p:sldId id="256" r:id="rId5"/>
@@ -15,9 +15,11 @@
     <p:sldId id="261" r:id="rId9"/>
     <p:sldId id="262" r:id="rId10"/>
     <p:sldId id="263" r:id="rId11"/>
-    <p:sldId id="264" r:id="rId12"/>
-    <p:sldId id="265" r:id="rId13"/>
-    <p:sldId id="266" r:id="rId14"/>
+    <p:sldId id="270" r:id="rId12"/>
+    <p:sldId id="264" r:id="rId13"/>
+    <p:sldId id="268" r:id="rId14"/>
+    <p:sldId id="265" r:id="rId15"/>
+    <p:sldId id="269" r:id="rId16"/>
   </p:sldIdLst>
   <p:sldSz cx="18288000" cy="10288588"/>
   <p:notesSz cx="6858000" cy="9144000"/>
@@ -235,7 +237,7 @@
           <a:p>
             <a:fld id="{37E01EE1-980E-5041-99CA-AE19F2476FCE}" type="datetimeFigureOut">
               <a:rPr lang="ru-RU" smtClean="0"/>
-              <a:t>18.04.2023</a:t>
+              <a:t>23.04.2023</a:t>
             </a:fld>
             <a:endParaRPr lang="ru-RU"/>
           </a:p>
@@ -11193,7 +11195,7 @@
           <a:p>
             <a:r>
               <a:rPr lang="en-US" dirty="0"/>
-              <a:t>High level</a:t>
+              <a:t>Service high level</a:t>
             </a:r>
             <a:endParaRPr lang="en-RU" dirty="0"/>
           </a:p>
@@ -11201,10 +11203,10 @@
       </p:sp>
       <p:pic>
         <p:nvPicPr>
-          <p:cNvPr id="6" name="k8s_min.drawio.png" descr="k8s_min.drawio.png">
+          <p:cNvPr id="4" name="Picture 3">
             <a:extLst>
               <a:ext uri="{FF2B5EF4-FFF2-40B4-BE49-F238E27FC236}">
-                <a16:creationId xmlns:a16="http://schemas.microsoft.com/office/drawing/2014/main" id="{FAC7BEF5-23E8-84A5-F4FC-C20D87D90225}"/>
+                <a16:creationId xmlns:a16="http://schemas.microsoft.com/office/drawing/2014/main" id="{09D8D285-7BF1-8045-164C-2ADE58C7FD3A}"/>
               </a:ext>
             </a:extLst>
           </p:cNvPr>
@@ -11214,28 +11216,344 @@
           <p:nvPr/>
         </p:nvPicPr>
         <p:blipFill>
-          <a:blip r:embed="rId2"/>
+          <a:blip r:embed="rId2">
+            <a:extLst>
+              <a:ext uri="{28A0092B-C50C-407E-A947-70E740481C1C}">
+                <a14:useLocalDpi xmlns:a14="http://schemas.microsoft.com/office/drawing/2010/main" val="0"/>
+              </a:ext>
+            </a:extLst>
+          </a:blip>
           <a:stretch>
             <a:fillRect/>
           </a:stretch>
         </p:blipFill>
         <p:spPr>
           <a:xfrm>
-            <a:off x="5710428" y="890480"/>
-            <a:ext cx="6867144" cy="8507628"/>
+            <a:off x="5993271" y="3140482"/>
+            <a:ext cx="6301458" cy="6000286"/>
           </a:xfrm>
           <a:prstGeom prst="rect">
             <a:avLst/>
           </a:prstGeom>
-          <a:ln w="12700">
-            <a:miter lim="400000"/>
-          </a:ln>
+        </p:spPr>
+      </p:pic>
+      <p:sp>
+        <p:nvSpPr>
+          <p:cNvPr id="5" name="TextBox 4">
+            <a:extLst>
+              <a:ext uri="{FF2B5EF4-FFF2-40B4-BE49-F238E27FC236}">
+                <a16:creationId xmlns:a16="http://schemas.microsoft.com/office/drawing/2014/main" id="{79E3EBAB-3437-86D0-CCC1-BCB107D77A37}"/>
+              </a:ext>
+            </a:extLst>
+          </p:cNvPr>
+          <p:cNvSpPr txBox="1"/>
+          <p:nvPr/>
+        </p:nvSpPr>
+        <p:spPr>
+          <a:xfrm>
+            <a:off x="10654302" y="1111118"/>
+            <a:ext cx="3513762" cy="646331"/>
+          </a:xfrm>
+          <a:prstGeom prst="rect">
+            <a:avLst/>
+          </a:prstGeom>
+          <a:noFill/>
+        </p:spPr>
+        <p:txBody>
+          <a:bodyPr wrap="square" rtlCol="0">
+            <a:spAutoFit/>
+          </a:bodyPr>
+          <a:lstStyle/>
+          <a:p>
+            <a:r>
+              <a:rPr lang="en-US" dirty="0"/>
+              <a:t>WHY do we need this?</a:t>
+            </a:r>
+          </a:p>
+          <a:p>
+            <a:r>
+              <a:rPr lang="en-US" dirty="0"/>
+              <a:t>To understand how it works in reality.</a:t>
+            </a:r>
+          </a:p>
+        </p:txBody>
+      </p:sp>
+    </p:spTree>
+    <p:extLst>
+      <p:ext uri="{BB962C8B-B14F-4D97-AF65-F5344CB8AC3E}">
+        <p14:creationId xmlns:p14="http://schemas.microsoft.com/office/powerpoint/2010/main" val="3269572567"/>
+      </p:ext>
+    </p:extLst>
+  </p:cSld>
+  <p:clrMapOvr>
+    <a:masterClrMapping/>
+  </p:clrMapOvr>
+</p:sld>
+</file>
+
+<file path=ppt/slides/slide11.xml><?xml version="1.0" encoding="utf-8"?>
+<p:sld xmlns:a="http://schemas.openxmlformats.org/drawingml/2006/main" xmlns:r="http://schemas.openxmlformats.org/officeDocument/2006/relationships" xmlns:p="http://schemas.openxmlformats.org/presentationml/2006/main">
+  <p:cSld>
+    <p:spTree>
+      <p:nvGrpSpPr>
+        <p:cNvPr id="1" name=""/>
+        <p:cNvGrpSpPr/>
+        <p:nvPr/>
+      </p:nvGrpSpPr>
+      <p:grpSpPr>
+        <a:xfrm>
+          <a:off x="0" y="0"/>
+          <a:ext cx="0" cy="0"/>
+          <a:chOff x="0" y="0"/>
+          <a:chExt cx="0" cy="0"/>
+        </a:xfrm>
+      </p:grpSpPr>
+      <p:sp>
+        <p:nvSpPr>
+          <p:cNvPr id="3" name="Title 2">
+            <a:extLst>
+              <a:ext uri="{FF2B5EF4-FFF2-40B4-BE49-F238E27FC236}">
+                <a16:creationId xmlns:a16="http://schemas.microsoft.com/office/drawing/2014/main" id="{706501E4-6246-A606-7483-C427CF30CD57}"/>
+              </a:ext>
+            </a:extLst>
+          </p:cNvPr>
+          <p:cNvSpPr>
+            <a:spLocks noGrp="1"/>
+          </p:cNvSpPr>
+          <p:nvPr>
+            <p:ph type="title"/>
+          </p:nvPr>
+        </p:nvSpPr>
+        <p:spPr/>
+        <p:txBody>
+          <a:bodyPr/>
+          <a:lstStyle/>
+          <a:p>
+            <a:r>
+              <a:rPr lang="en-US" dirty="0"/>
+              <a:t>Ingress</a:t>
+            </a:r>
+            <a:endParaRPr lang="en-RU" dirty="0"/>
+          </a:p>
+        </p:txBody>
+      </p:sp>
+      <p:sp>
+        <p:nvSpPr>
+          <p:cNvPr id="2" name="TextBox 1">
+            <a:extLst>
+              <a:ext uri="{FF2B5EF4-FFF2-40B4-BE49-F238E27FC236}">
+                <a16:creationId xmlns:a16="http://schemas.microsoft.com/office/drawing/2014/main" id="{FC5BD675-74D3-068B-6B0E-F2D4E02912AC}"/>
+              </a:ext>
+            </a:extLst>
+          </p:cNvPr>
+          <p:cNvSpPr txBox="1"/>
+          <p:nvPr/>
+        </p:nvSpPr>
+        <p:spPr>
+          <a:xfrm>
+            <a:off x="10654302" y="1111118"/>
+            <a:ext cx="3513762" cy="646331"/>
+          </a:xfrm>
+          <a:prstGeom prst="rect">
+            <a:avLst/>
+          </a:prstGeom>
+          <a:noFill/>
+        </p:spPr>
+        <p:txBody>
+          <a:bodyPr wrap="square" rtlCol="0">
+            <a:spAutoFit/>
+          </a:bodyPr>
+          <a:lstStyle/>
+          <a:p>
+            <a:r>
+              <a:rPr lang="en-US" dirty="0"/>
+              <a:t>WHY do we need this?</a:t>
+            </a:r>
+          </a:p>
+          <a:p>
+            <a:r>
+              <a:rPr lang="en-US" dirty="0"/>
+              <a:t>To expose service to otter world.</a:t>
+            </a:r>
+          </a:p>
+        </p:txBody>
+      </p:sp>
+      <p:pic>
+        <p:nvPicPr>
+          <p:cNvPr id="6" name="Picture 5">
+            <a:extLst>
+              <a:ext uri="{FF2B5EF4-FFF2-40B4-BE49-F238E27FC236}">
+                <a16:creationId xmlns:a16="http://schemas.microsoft.com/office/drawing/2014/main" id="{44BE0AB8-17C2-C5B8-6C91-4A3E76184B5F}"/>
+              </a:ext>
+            </a:extLst>
+          </p:cNvPr>
+          <p:cNvPicPr>
+            <a:picLocks noChangeAspect="1"/>
+          </p:cNvPicPr>
+          <p:nvPr/>
+        </p:nvPicPr>
+        <p:blipFill>
+          <a:blip r:embed="rId2">
+            <a:extLst>
+              <a:ext uri="{28A0092B-C50C-407E-A947-70E740481C1C}">
+                <a14:useLocalDpi xmlns:a14="http://schemas.microsoft.com/office/drawing/2010/main" val="0"/>
+              </a:ext>
+            </a:extLst>
+          </a:blip>
+          <a:stretch>
+            <a:fillRect/>
+          </a:stretch>
+        </p:blipFill>
+        <p:spPr>
+          <a:xfrm>
+            <a:off x="5062245" y="2326011"/>
+            <a:ext cx="8163510" cy="6814757"/>
+          </a:xfrm>
+          <a:prstGeom prst="rect">
+            <a:avLst/>
+          </a:prstGeom>
         </p:spPr>
       </p:pic>
     </p:spTree>
     <p:extLst>
       <p:ext uri="{BB962C8B-B14F-4D97-AF65-F5344CB8AC3E}">
-        <p14:creationId xmlns:p14="http://schemas.microsoft.com/office/powerpoint/2010/main" val="1603658751"/>
+        <p14:creationId xmlns:p14="http://schemas.microsoft.com/office/powerpoint/2010/main" val="6171073"/>
+      </p:ext>
+    </p:extLst>
+  </p:cSld>
+  <p:clrMapOvr>
+    <a:masterClrMapping/>
+  </p:clrMapOvr>
+</p:sld>
+</file>
+
+<file path=ppt/slides/slide12.xml><?xml version="1.0" encoding="utf-8"?>
+<p:sld xmlns:a="http://schemas.openxmlformats.org/drawingml/2006/main" xmlns:r="http://schemas.openxmlformats.org/officeDocument/2006/relationships" xmlns:p="http://schemas.openxmlformats.org/presentationml/2006/main">
+  <p:cSld>
+    <p:spTree>
+      <p:nvGrpSpPr>
+        <p:cNvPr id="1" name=""/>
+        <p:cNvGrpSpPr/>
+        <p:nvPr/>
+      </p:nvGrpSpPr>
+      <p:grpSpPr>
+        <a:xfrm>
+          <a:off x="0" y="0"/>
+          <a:ext cx="0" cy="0"/>
+          <a:chOff x="0" y="0"/>
+          <a:chExt cx="0" cy="0"/>
+        </a:xfrm>
+      </p:grpSpPr>
+      <p:sp>
+        <p:nvSpPr>
+          <p:cNvPr id="3" name="Title 2">
+            <a:extLst>
+              <a:ext uri="{FF2B5EF4-FFF2-40B4-BE49-F238E27FC236}">
+                <a16:creationId xmlns:a16="http://schemas.microsoft.com/office/drawing/2014/main" id="{706501E4-6246-A606-7483-C427CF30CD57}"/>
+              </a:ext>
+            </a:extLst>
+          </p:cNvPr>
+          <p:cNvSpPr>
+            <a:spLocks noGrp="1"/>
+          </p:cNvSpPr>
+          <p:nvPr>
+            <p:ph type="title"/>
+          </p:nvPr>
+        </p:nvSpPr>
+        <p:spPr/>
+        <p:txBody>
+          <a:bodyPr/>
+          <a:lstStyle/>
+          <a:p>
+            <a:r>
+              <a:rPr lang="en-US" dirty="0"/>
+              <a:t>Ingress high level</a:t>
+            </a:r>
+            <a:endParaRPr lang="en-RU" dirty="0"/>
+          </a:p>
+        </p:txBody>
+      </p:sp>
+      <p:sp>
+        <p:nvSpPr>
+          <p:cNvPr id="5" name="TextBox 4">
+            <a:extLst>
+              <a:ext uri="{FF2B5EF4-FFF2-40B4-BE49-F238E27FC236}">
+                <a16:creationId xmlns:a16="http://schemas.microsoft.com/office/drawing/2014/main" id="{79E3EBAB-3437-86D0-CCC1-BCB107D77A37}"/>
+              </a:ext>
+            </a:extLst>
+          </p:cNvPr>
+          <p:cNvSpPr txBox="1"/>
+          <p:nvPr/>
+        </p:nvSpPr>
+        <p:spPr>
+          <a:xfrm>
+            <a:off x="10654302" y="1111118"/>
+            <a:ext cx="3513762" cy="646331"/>
+          </a:xfrm>
+          <a:prstGeom prst="rect">
+            <a:avLst/>
+          </a:prstGeom>
+          <a:noFill/>
+        </p:spPr>
+        <p:txBody>
+          <a:bodyPr wrap="square" rtlCol="0">
+            <a:spAutoFit/>
+          </a:bodyPr>
+          <a:lstStyle/>
+          <a:p>
+            <a:r>
+              <a:rPr lang="en-US" dirty="0"/>
+              <a:t>WHY do we need this?</a:t>
+            </a:r>
+          </a:p>
+          <a:p>
+            <a:r>
+              <a:rPr lang="en-US" dirty="0"/>
+              <a:t>To understand how it works in reality.</a:t>
+            </a:r>
+          </a:p>
+        </p:txBody>
+      </p:sp>
+      <p:pic>
+        <p:nvPicPr>
+          <p:cNvPr id="6" name="Picture 5">
+            <a:extLst>
+              <a:ext uri="{FF2B5EF4-FFF2-40B4-BE49-F238E27FC236}">
+                <a16:creationId xmlns:a16="http://schemas.microsoft.com/office/drawing/2014/main" id="{3C0C6227-74E5-E87B-A9BF-74D7BC14879B}"/>
+              </a:ext>
+            </a:extLst>
+          </p:cNvPr>
+          <p:cNvPicPr>
+            <a:picLocks noChangeAspect="1"/>
+          </p:cNvPicPr>
+          <p:nvPr/>
+        </p:nvPicPr>
+        <p:blipFill>
+          <a:blip r:embed="rId2">
+            <a:extLst>
+              <a:ext uri="{28A0092B-C50C-407E-A947-70E740481C1C}">
+                <a14:useLocalDpi xmlns:a14="http://schemas.microsoft.com/office/drawing/2010/main" val="0"/>
+              </a:ext>
+            </a:extLst>
+          </a:blip>
+          <a:stretch>
+            <a:fillRect/>
+          </a:stretch>
+        </p:blipFill>
+        <p:spPr>
+          <a:xfrm>
+            <a:off x="6521794" y="2034449"/>
+            <a:ext cx="5244412" cy="7624765"/>
+          </a:xfrm>
+          <a:prstGeom prst="rect">
+            <a:avLst/>
+          </a:prstGeom>
+        </p:spPr>
+      </p:pic>
+    </p:spTree>
+    <p:extLst>
+      <p:ext uri="{BB962C8B-B14F-4D97-AF65-F5344CB8AC3E}">
+        <p14:creationId xmlns:p14="http://schemas.microsoft.com/office/powerpoint/2010/main" val="1586238677"/>
       </p:ext>
     </p:extLst>
   </p:cSld>
@@ -11425,6 +11743,47 @@
           </a:prstGeom>
         </p:spPr>
       </p:pic>
+      <p:sp>
+        <p:nvSpPr>
+          <p:cNvPr id="2" name="TextBox 1">
+            <a:extLst>
+              <a:ext uri="{FF2B5EF4-FFF2-40B4-BE49-F238E27FC236}">
+                <a16:creationId xmlns:a16="http://schemas.microsoft.com/office/drawing/2014/main" id="{AA4ACA97-5B52-34DD-BDB2-C2C151A36505}"/>
+              </a:ext>
+            </a:extLst>
+          </p:cNvPr>
+          <p:cNvSpPr txBox="1"/>
+          <p:nvPr/>
+        </p:nvSpPr>
+        <p:spPr>
+          <a:xfrm>
+            <a:off x="10654302" y="1111118"/>
+            <a:ext cx="3513762" cy="923330"/>
+          </a:xfrm>
+          <a:prstGeom prst="rect">
+            <a:avLst/>
+          </a:prstGeom>
+          <a:noFill/>
+        </p:spPr>
+        <p:txBody>
+          <a:bodyPr wrap="square" rtlCol="0">
+            <a:spAutoFit/>
+          </a:bodyPr>
+          <a:lstStyle/>
+          <a:p>
+            <a:r>
+              <a:rPr lang="en-US" dirty="0"/>
+              <a:t>WHY do we need this?</a:t>
+            </a:r>
+          </a:p>
+          <a:p>
+            <a:r>
+              <a:rPr lang="en-US" dirty="0"/>
+              <a:t>To simplify deployment process and increase resource utilization.</a:t>
+            </a:r>
+          </a:p>
+        </p:txBody>
+      </p:sp>
     </p:spTree>
     <p:extLst>
       <p:ext uri="{BB962C8B-B14F-4D97-AF65-F5344CB8AC3E}">
@@ -11486,10 +11845,10 @@
       </p:sp>
       <p:pic>
         <p:nvPicPr>
-          <p:cNvPr id="5" name="Picture 4">
+          <p:cNvPr id="4" name="Picture 3">
             <a:extLst>
               <a:ext uri="{FF2B5EF4-FFF2-40B4-BE49-F238E27FC236}">
-                <a16:creationId xmlns:a16="http://schemas.microsoft.com/office/drawing/2014/main" id="{70F6B028-523E-BE63-42E7-7F0DE9D97983}"/>
+                <a16:creationId xmlns:a16="http://schemas.microsoft.com/office/drawing/2014/main" id="{FD27DD3E-5519-4999-EC6F-7D438E06C42C}"/>
               </a:ext>
             </a:extLst>
           </p:cNvPr>
@@ -11512,14 +11871,389 @@
         </p:blipFill>
         <p:spPr>
           <a:xfrm>
-            <a:off x="3979298" y="2410633"/>
-            <a:ext cx="10329403" cy="5467321"/>
+            <a:off x="3050045" y="2939934"/>
+            <a:ext cx="12187909" cy="6008123"/>
           </a:xfrm>
           <a:prstGeom prst="rect">
             <a:avLst/>
           </a:prstGeom>
         </p:spPr>
       </p:pic>
+      <p:cxnSp>
+        <p:nvCxnSpPr>
+          <p:cNvPr id="7" name="Straight Arrow Connector 6">
+            <a:extLst>
+              <a:ext uri="{FF2B5EF4-FFF2-40B4-BE49-F238E27FC236}">
+                <a16:creationId xmlns:a16="http://schemas.microsoft.com/office/drawing/2014/main" id="{28E9D3D6-ECE4-B74D-0DD3-7BB8F50E60D1}"/>
+              </a:ext>
+            </a:extLst>
+          </p:cNvPr>
+          <p:cNvCxnSpPr>
+            <a:cxnSpLocks/>
+          </p:cNvCxnSpPr>
+          <p:nvPr/>
+        </p:nvCxnSpPr>
+        <p:spPr>
+          <a:xfrm flipV="1">
+            <a:off x="6150279" y="7189940"/>
+            <a:ext cx="2116899" cy="1340285"/>
+          </a:xfrm>
+          <a:prstGeom prst="straightConnector1">
+            <a:avLst/>
+          </a:prstGeom>
+          <a:ln w="38100">
+            <a:solidFill>
+              <a:schemeClr val="tx2"/>
+            </a:solidFill>
+            <a:tailEnd type="triangle"/>
+          </a:ln>
+        </p:spPr>
+        <p:style>
+          <a:lnRef idx="1">
+            <a:schemeClr val="accent1"/>
+          </a:lnRef>
+          <a:fillRef idx="0">
+            <a:schemeClr val="accent1"/>
+          </a:fillRef>
+          <a:effectRef idx="0">
+            <a:schemeClr val="accent1"/>
+          </a:effectRef>
+          <a:fontRef idx="minor">
+            <a:schemeClr val="tx1"/>
+          </a:fontRef>
+        </p:style>
+      </p:cxnSp>
+      <p:cxnSp>
+        <p:nvCxnSpPr>
+          <p:cNvPr id="12" name="Straight Arrow Connector 11">
+            <a:extLst>
+              <a:ext uri="{FF2B5EF4-FFF2-40B4-BE49-F238E27FC236}">
+                <a16:creationId xmlns:a16="http://schemas.microsoft.com/office/drawing/2014/main" id="{3EB36FF9-2891-8B1B-36FB-72E80C52790A}"/>
+              </a:ext>
+            </a:extLst>
+          </p:cNvPr>
+          <p:cNvCxnSpPr>
+            <a:cxnSpLocks/>
+          </p:cNvCxnSpPr>
+          <p:nvPr/>
+        </p:nvCxnSpPr>
+        <p:spPr>
+          <a:xfrm flipV="1">
+            <a:off x="8492647" y="8068999"/>
+            <a:ext cx="741123" cy="1237839"/>
+          </a:xfrm>
+          <a:prstGeom prst="straightConnector1">
+            <a:avLst/>
+          </a:prstGeom>
+          <a:ln w="38100">
+            <a:solidFill>
+              <a:schemeClr val="tx2"/>
+            </a:solidFill>
+            <a:tailEnd type="triangle"/>
+          </a:ln>
+        </p:spPr>
+        <p:style>
+          <a:lnRef idx="1">
+            <a:schemeClr val="accent1"/>
+          </a:lnRef>
+          <a:fillRef idx="0">
+            <a:schemeClr val="accent1"/>
+          </a:fillRef>
+          <a:effectRef idx="0">
+            <a:schemeClr val="accent1"/>
+          </a:effectRef>
+          <a:fontRef idx="minor">
+            <a:schemeClr val="tx1"/>
+          </a:fontRef>
+        </p:style>
+      </p:cxnSp>
+      <p:cxnSp>
+        <p:nvCxnSpPr>
+          <p:cNvPr id="14" name="Straight Arrow Connector 13">
+            <a:extLst>
+              <a:ext uri="{FF2B5EF4-FFF2-40B4-BE49-F238E27FC236}">
+                <a16:creationId xmlns:a16="http://schemas.microsoft.com/office/drawing/2014/main" id="{5E67D1BB-2535-79C8-C4AA-A22226CD9AEA}"/>
+              </a:ext>
+            </a:extLst>
+          </p:cNvPr>
+          <p:cNvCxnSpPr>
+            <a:cxnSpLocks/>
+          </p:cNvCxnSpPr>
+          <p:nvPr/>
+        </p:nvCxnSpPr>
+        <p:spPr>
+          <a:xfrm flipH="1">
+            <a:off x="9945666" y="4008329"/>
+            <a:ext cx="1427967" cy="1440493"/>
+          </a:xfrm>
+          <a:prstGeom prst="straightConnector1">
+            <a:avLst/>
+          </a:prstGeom>
+          <a:ln w="38100">
+            <a:solidFill>
+              <a:schemeClr val="tx2"/>
+            </a:solidFill>
+            <a:tailEnd type="triangle"/>
+          </a:ln>
+        </p:spPr>
+        <p:style>
+          <a:lnRef idx="1">
+            <a:schemeClr val="accent1"/>
+          </a:lnRef>
+          <a:fillRef idx="0">
+            <a:schemeClr val="accent1"/>
+          </a:fillRef>
+          <a:effectRef idx="0">
+            <a:schemeClr val="accent1"/>
+          </a:effectRef>
+          <a:fontRef idx="minor">
+            <a:schemeClr val="tx1"/>
+          </a:fontRef>
+        </p:style>
+      </p:cxnSp>
+      <p:cxnSp>
+        <p:nvCxnSpPr>
+          <p:cNvPr id="17" name="Straight Arrow Connector 16">
+            <a:extLst>
+              <a:ext uri="{FF2B5EF4-FFF2-40B4-BE49-F238E27FC236}">
+                <a16:creationId xmlns:a16="http://schemas.microsoft.com/office/drawing/2014/main" id="{3E72BDA0-F7BF-3801-F60F-414DEDF6DF67}"/>
+              </a:ext>
+            </a:extLst>
+          </p:cNvPr>
+          <p:cNvCxnSpPr>
+            <a:cxnSpLocks/>
+          </p:cNvCxnSpPr>
+          <p:nvPr/>
+        </p:nvCxnSpPr>
+        <p:spPr>
+          <a:xfrm flipH="1" flipV="1">
+            <a:off x="9945666" y="7111255"/>
+            <a:ext cx="1052186" cy="2195583"/>
+          </a:xfrm>
+          <a:prstGeom prst="straightConnector1">
+            <a:avLst/>
+          </a:prstGeom>
+          <a:ln w="38100">
+            <a:solidFill>
+              <a:schemeClr val="tx2"/>
+            </a:solidFill>
+            <a:tailEnd type="triangle"/>
+          </a:ln>
+        </p:spPr>
+        <p:style>
+          <a:lnRef idx="1">
+            <a:schemeClr val="accent1"/>
+          </a:lnRef>
+          <a:fillRef idx="0">
+            <a:schemeClr val="accent1"/>
+          </a:fillRef>
+          <a:effectRef idx="0">
+            <a:schemeClr val="accent1"/>
+          </a:effectRef>
+          <a:fontRef idx="minor">
+            <a:schemeClr val="tx1"/>
+          </a:fontRef>
+        </p:style>
+      </p:cxnSp>
+      <p:sp>
+        <p:nvSpPr>
+          <p:cNvPr id="19" name="TextBox 18">
+            <a:extLst>
+              <a:ext uri="{FF2B5EF4-FFF2-40B4-BE49-F238E27FC236}">
+                <a16:creationId xmlns:a16="http://schemas.microsoft.com/office/drawing/2014/main" id="{F113E1DB-86E4-333A-F58F-AB5DBB979288}"/>
+              </a:ext>
+            </a:extLst>
+          </p:cNvPr>
+          <p:cNvSpPr txBox="1"/>
+          <p:nvPr/>
+        </p:nvSpPr>
+        <p:spPr>
+          <a:xfrm>
+            <a:off x="4443587" y="8530225"/>
+            <a:ext cx="2655518" cy="646331"/>
+          </a:xfrm>
+          <a:prstGeom prst="rect">
+            <a:avLst/>
+          </a:prstGeom>
+          <a:noFill/>
+        </p:spPr>
+        <p:txBody>
+          <a:bodyPr wrap="square" rtlCol="0">
+            <a:spAutoFit/>
+          </a:bodyPr>
+          <a:lstStyle/>
+          <a:p>
+            <a:r>
+              <a:rPr lang="en-US" dirty="0"/>
+              <a:t>API server aka </a:t>
+            </a:r>
+          </a:p>
+          <a:p>
+            <a:r>
+              <a:rPr lang="en-US" dirty="0"/>
+              <a:t>“control-plane frontend”</a:t>
+            </a:r>
+          </a:p>
+        </p:txBody>
+      </p:sp>
+      <p:sp>
+        <p:nvSpPr>
+          <p:cNvPr id="20" name="TextBox 19">
+            <a:extLst>
+              <a:ext uri="{FF2B5EF4-FFF2-40B4-BE49-F238E27FC236}">
+                <a16:creationId xmlns:a16="http://schemas.microsoft.com/office/drawing/2014/main" id="{D0CA6B56-494D-8EEE-2015-2687139F58C5}"/>
+              </a:ext>
+            </a:extLst>
+          </p:cNvPr>
+          <p:cNvSpPr txBox="1"/>
+          <p:nvPr/>
+        </p:nvSpPr>
+        <p:spPr>
+          <a:xfrm>
+            <a:off x="6732739" y="9388180"/>
+            <a:ext cx="3519815" cy="646331"/>
+          </a:xfrm>
+          <a:prstGeom prst="rect">
+            <a:avLst/>
+          </a:prstGeom>
+          <a:noFill/>
+        </p:spPr>
+        <p:txBody>
+          <a:bodyPr wrap="square" rtlCol="0">
+            <a:spAutoFit/>
+          </a:bodyPr>
+          <a:lstStyle/>
+          <a:p>
+            <a:r>
+              <a:rPr lang="en-US" dirty="0"/>
+              <a:t>ETCD aka </a:t>
+            </a:r>
+          </a:p>
+          <a:p>
+            <a:r>
+              <a:rPr lang="en-US" dirty="0"/>
+              <a:t>“cluster distributed backup storage”</a:t>
+            </a:r>
+          </a:p>
+        </p:txBody>
+      </p:sp>
+      <p:sp>
+        <p:nvSpPr>
+          <p:cNvPr id="21" name="TextBox 20">
+            <a:extLst>
+              <a:ext uri="{FF2B5EF4-FFF2-40B4-BE49-F238E27FC236}">
+                <a16:creationId xmlns:a16="http://schemas.microsoft.com/office/drawing/2014/main" id="{AF151F65-6CBE-2276-9202-5E4A43B05E75}"/>
+              </a:ext>
+            </a:extLst>
+          </p:cNvPr>
+          <p:cNvSpPr txBox="1"/>
+          <p:nvPr/>
+        </p:nvSpPr>
+        <p:spPr>
+          <a:xfrm>
+            <a:off x="10635711" y="9388179"/>
+            <a:ext cx="3519815" cy="646331"/>
+          </a:xfrm>
+          <a:prstGeom prst="rect">
+            <a:avLst/>
+          </a:prstGeom>
+          <a:noFill/>
+        </p:spPr>
+        <p:txBody>
+          <a:bodyPr wrap="square" rtlCol="0">
+            <a:spAutoFit/>
+          </a:bodyPr>
+          <a:lstStyle/>
+          <a:p>
+            <a:r>
+              <a:rPr lang="en-US" dirty="0"/>
+              <a:t>Controller-manager aka </a:t>
+            </a:r>
+          </a:p>
+          <a:p>
+            <a:r>
+              <a:rPr lang="en-US" dirty="0"/>
+              <a:t>“cluster internal processes manager”</a:t>
+            </a:r>
+          </a:p>
+        </p:txBody>
+      </p:sp>
+      <p:sp>
+        <p:nvSpPr>
+          <p:cNvPr id="22" name="TextBox 21">
+            <a:extLst>
+              <a:ext uri="{FF2B5EF4-FFF2-40B4-BE49-F238E27FC236}">
+                <a16:creationId xmlns:a16="http://schemas.microsoft.com/office/drawing/2014/main" id="{02E72E83-110D-518E-BF35-911D4569F3A9}"/>
+              </a:ext>
+            </a:extLst>
+          </p:cNvPr>
+          <p:cNvSpPr txBox="1"/>
+          <p:nvPr/>
+        </p:nvSpPr>
+        <p:spPr>
+          <a:xfrm>
+            <a:off x="10252554" y="3534456"/>
+            <a:ext cx="3519815" cy="369332"/>
+          </a:xfrm>
+          <a:prstGeom prst="rect">
+            <a:avLst/>
+          </a:prstGeom>
+          <a:noFill/>
+        </p:spPr>
+        <p:txBody>
+          <a:bodyPr wrap="square" rtlCol="0">
+            <a:spAutoFit/>
+          </a:bodyPr>
+          <a:lstStyle/>
+          <a:p>
+            <a:r>
+              <a:rPr lang="en-US" dirty="0"/>
+              <a:t>Scheduler - schedules pods</a:t>
+            </a:r>
+          </a:p>
+        </p:txBody>
+      </p:sp>
+      <p:sp>
+        <p:nvSpPr>
+          <p:cNvPr id="24" name="TextBox 23">
+            <a:extLst>
+              <a:ext uri="{FF2B5EF4-FFF2-40B4-BE49-F238E27FC236}">
+                <a16:creationId xmlns:a16="http://schemas.microsoft.com/office/drawing/2014/main" id="{07ECF7E8-D71F-5616-0D73-61D4CC5CCBB9}"/>
+              </a:ext>
+            </a:extLst>
+          </p:cNvPr>
+          <p:cNvSpPr txBox="1"/>
+          <p:nvPr/>
+        </p:nvSpPr>
+        <p:spPr>
+          <a:xfrm>
+            <a:off x="10654302" y="1111118"/>
+            <a:ext cx="3513762" cy="923330"/>
+          </a:xfrm>
+          <a:prstGeom prst="rect">
+            <a:avLst/>
+          </a:prstGeom>
+          <a:noFill/>
+        </p:spPr>
+        <p:txBody>
+          <a:bodyPr wrap="square" rtlCol="0">
+            <a:spAutoFit/>
+          </a:bodyPr>
+          <a:lstStyle/>
+          <a:p>
+            <a:r>
+              <a:rPr lang="en-US" dirty="0"/>
+              <a:t>WHY do we need this?</a:t>
+            </a:r>
+          </a:p>
+          <a:p>
+            <a:r>
+              <a:rPr lang="en-US" dirty="0"/>
+              <a:t>To be able to deploy resources to cluster.</a:t>
+            </a:r>
+          </a:p>
+        </p:txBody>
+      </p:sp>
     </p:spTree>
     <p:extLst>
       <p:ext uri="{BB962C8B-B14F-4D97-AF65-F5344CB8AC3E}">
@@ -11530,6 +12264,495 @@
   <p:clrMapOvr>
     <a:masterClrMapping/>
   </p:clrMapOvr>
+  <p:timing>
+    <p:tnLst>
+      <p:par>
+        <p:cTn id="1" dur="indefinite" restart="never" nodeType="tmRoot">
+          <p:childTnLst>
+            <p:seq concurrent="1" nextAc="seek">
+              <p:cTn id="2" dur="indefinite" nodeType="mainSeq">
+                <p:childTnLst>
+                  <p:par>
+                    <p:cTn id="3" fill="hold">
+                      <p:stCondLst>
+                        <p:cond delay="indefinite"/>
+                      </p:stCondLst>
+                      <p:childTnLst>
+                        <p:par>
+                          <p:cTn id="4" fill="hold">
+                            <p:stCondLst>
+                              <p:cond delay="0"/>
+                            </p:stCondLst>
+                            <p:childTnLst>
+                              <p:par>
+                                <p:cTn id="5" presetID="1" presetClass="entr" presetSubtype="0" fill="hold" nodeType="clickEffect">
+                                  <p:stCondLst>
+                                    <p:cond delay="0"/>
+                                  </p:stCondLst>
+                                  <p:childTnLst>
+                                    <p:set>
+                                      <p:cBhvr>
+                                        <p:cTn id="6" dur="1" fill="hold">
+                                          <p:stCondLst>
+                                            <p:cond delay="0"/>
+                                          </p:stCondLst>
+                                        </p:cTn>
+                                        <p:tgtEl>
+                                          <p:spTgt spid="7"/>
+                                        </p:tgtEl>
+                                        <p:attrNameLst>
+                                          <p:attrName>style.visibility</p:attrName>
+                                        </p:attrNameLst>
+                                      </p:cBhvr>
+                                      <p:to>
+                                        <p:strVal val="visible"/>
+                                      </p:to>
+                                    </p:set>
+                                  </p:childTnLst>
+                                </p:cTn>
+                              </p:par>
+                              <p:par>
+                                <p:cTn id="7" presetID="1" presetClass="entr" presetSubtype="0" fill="hold" grpId="0" nodeType="withEffect">
+                                  <p:stCondLst>
+                                    <p:cond delay="0"/>
+                                  </p:stCondLst>
+                                  <p:childTnLst>
+                                    <p:set>
+                                      <p:cBhvr>
+                                        <p:cTn id="8" dur="1" fill="hold">
+                                          <p:stCondLst>
+                                            <p:cond delay="0"/>
+                                          </p:stCondLst>
+                                        </p:cTn>
+                                        <p:tgtEl>
+                                          <p:spTgt spid="19"/>
+                                        </p:tgtEl>
+                                        <p:attrNameLst>
+                                          <p:attrName>style.visibility</p:attrName>
+                                        </p:attrNameLst>
+                                      </p:cBhvr>
+                                      <p:to>
+                                        <p:strVal val="visible"/>
+                                      </p:to>
+                                    </p:set>
+                                  </p:childTnLst>
+                                </p:cTn>
+                              </p:par>
+                            </p:childTnLst>
+                          </p:cTn>
+                        </p:par>
+                      </p:childTnLst>
+                    </p:cTn>
+                  </p:par>
+                  <p:par>
+                    <p:cTn id="9" fill="hold">
+                      <p:stCondLst>
+                        <p:cond delay="indefinite"/>
+                      </p:stCondLst>
+                      <p:childTnLst>
+                        <p:par>
+                          <p:cTn id="10" fill="hold">
+                            <p:stCondLst>
+                              <p:cond delay="0"/>
+                            </p:stCondLst>
+                            <p:childTnLst>
+                              <p:par>
+                                <p:cTn id="11" presetID="1" presetClass="exit" presetSubtype="0" fill="hold" nodeType="clickEffect">
+                                  <p:stCondLst>
+                                    <p:cond delay="0"/>
+                                  </p:stCondLst>
+                                  <p:childTnLst>
+                                    <p:set>
+                                      <p:cBhvr>
+                                        <p:cTn id="12" dur="1" fill="hold">
+                                          <p:stCondLst>
+                                            <p:cond delay="0"/>
+                                          </p:stCondLst>
+                                        </p:cTn>
+                                        <p:tgtEl>
+                                          <p:spTgt spid="7"/>
+                                        </p:tgtEl>
+                                        <p:attrNameLst>
+                                          <p:attrName>style.visibility</p:attrName>
+                                        </p:attrNameLst>
+                                      </p:cBhvr>
+                                      <p:to>
+                                        <p:strVal val="hidden"/>
+                                      </p:to>
+                                    </p:set>
+                                  </p:childTnLst>
+                                </p:cTn>
+                              </p:par>
+                              <p:par>
+                                <p:cTn id="13" presetID="1" presetClass="exit" presetSubtype="0" fill="hold" grpId="1" nodeType="withEffect">
+                                  <p:stCondLst>
+                                    <p:cond delay="0"/>
+                                  </p:stCondLst>
+                                  <p:childTnLst>
+                                    <p:set>
+                                      <p:cBhvr>
+                                        <p:cTn id="14" dur="1" fill="hold">
+                                          <p:stCondLst>
+                                            <p:cond delay="0"/>
+                                          </p:stCondLst>
+                                        </p:cTn>
+                                        <p:tgtEl>
+                                          <p:spTgt spid="19"/>
+                                        </p:tgtEl>
+                                        <p:attrNameLst>
+                                          <p:attrName>style.visibility</p:attrName>
+                                        </p:attrNameLst>
+                                      </p:cBhvr>
+                                      <p:to>
+                                        <p:strVal val="hidden"/>
+                                      </p:to>
+                                    </p:set>
+                                  </p:childTnLst>
+                                </p:cTn>
+                              </p:par>
+                              <p:par>
+                                <p:cTn id="15" presetID="1" presetClass="entr" presetSubtype="0" fill="hold" nodeType="withEffect">
+                                  <p:stCondLst>
+                                    <p:cond delay="0"/>
+                                  </p:stCondLst>
+                                  <p:childTnLst>
+                                    <p:set>
+                                      <p:cBhvr>
+                                        <p:cTn id="16" dur="1" fill="hold">
+                                          <p:stCondLst>
+                                            <p:cond delay="0"/>
+                                          </p:stCondLst>
+                                        </p:cTn>
+                                        <p:tgtEl>
+                                          <p:spTgt spid="12"/>
+                                        </p:tgtEl>
+                                        <p:attrNameLst>
+                                          <p:attrName>style.visibility</p:attrName>
+                                        </p:attrNameLst>
+                                      </p:cBhvr>
+                                      <p:to>
+                                        <p:strVal val="visible"/>
+                                      </p:to>
+                                    </p:set>
+                                  </p:childTnLst>
+                                </p:cTn>
+                              </p:par>
+                              <p:par>
+                                <p:cTn id="17" presetID="1" presetClass="entr" presetSubtype="0" fill="hold" grpId="0" nodeType="withEffect">
+                                  <p:stCondLst>
+                                    <p:cond delay="0"/>
+                                  </p:stCondLst>
+                                  <p:childTnLst>
+                                    <p:set>
+                                      <p:cBhvr>
+                                        <p:cTn id="18" dur="1" fill="hold">
+                                          <p:stCondLst>
+                                            <p:cond delay="0"/>
+                                          </p:stCondLst>
+                                        </p:cTn>
+                                        <p:tgtEl>
+                                          <p:spTgt spid="20"/>
+                                        </p:tgtEl>
+                                        <p:attrNameLst>
+                                          <p:attrName>style.visibility</p:attrName>
+                                        </p:attrNameLst>
+                                      </p:cBhvr>
+                                      <p:to>
+                                        <p:strVal val="visible"/>
+                                      </p:to>
+                                    </p:set>
+                                  </p:childTnLst>
+                                </p:cTn>
+                              </p:par>
+                            </p:childTnLst>
+                          </p:cTn>
+                        </p:par>
+                      </p:childTnLst>
+                    </p:cTn>
+                  </p:par>
+                  <p:par>
+                    <p:cTn id="19" fill="hold">
+                      <p:stCondLst>
+                        <p:cond delay="indefinite"/>
+                      </p:stCondLst>
+                      <p:childTnLst>
+                        <p:par>
+                          <p:cTn id="20" fill="hold">
+                            <p:stCondLst>
+                              <p:cond delay="0"/>
+                            </p:stCondLst>
+                            <p:childTnLst>
+                              <p:par>
+                                <p:cTn id="21" presetID="1" presetClass="exit" presetSubtype="0" fill="hold" nodeType="clickEffect">
+                                  <p:stCondLst>
+                                    <p:cond delay="0"/>
+                                  </p:stCondLst>
+                                  <p:childTnLst>
+                                    <p:set>
+                                      <p:cBhvr>
+                                        <p:cTn id="22" dur="1" fill="hold">
+                                          <p:stCondLst>
+                                            <p:cond delay="0"/>
+                                          </p:stCondLst>
+                                        </p:cTn>
+                                        <p:tgtEl>
+                                          <p:spTgt spid="12"/>
+                                        </p:tgtEl>
+                                        <p:attrNameLst>
+                                          <p:attrName>style.visibility</p:attrName>
+                                        </p:attrNameLst>
+                                      </p:cBhvr>
+                                      <p:to>
+                                        <p:strVal val="hidden"/>
+                                      </p:to>
+                                    </p:set>
+                                  </p:childTnLst>
+                                </p:cTn>
+                              </p:par>
+                              <p:par>
+                                <p:cTn id="23" presetID="1" presetClass="exit" presetSubtype="0" fill="hold" grpId="1" nodeType="withEffect">
+                                  <p:stCondLst>
+                                    <p:cond delay="0"/>
+                                  </p:stCondLst>
+                                  <p:childTnLst>
+                                    <p:set>
+                                      <p:cBhvr>
+                                        <p:cTn id="24" dur="1" fill="hold">
+                                          <p:stCondLst>
+                                            <p:cond delay="0"/>
+                                          </p:stCondLst>
+                                        </p:cTn>
+                                        <p:tgtEl>
+                                          <p:spTgt spid="20"/>
+                                        </p:tgtEl>
+                                        <p:attrNameLst>
+                                          <p:attrName>style.visibility</p:attrName>
+                                        </p:attrNameLst>
+                                      </p:cBhvr>
+                                      <p:to>
+                                        <p:strVal val="hidden"/>
+                                      </p:to>
+                                    </p:set>
+                                  </p:childTnLst>
+                                </p:cTn>
+                              </p:par>
+                              <p:par>
+                                <p:cTn id="25" presetID="1" presetClass="entr" presetSubtype="0" fill="hold" nodeType="withEffect">
+                                  <p:stCondLst>
+                                    <p:cond delay="0"/>
+                                  </p:stCondLst>
+                                  <p:childTnLst>
+                                    <p:set>
+                                      <p:cBhvr>
+                                        <p:cTn id="26" dur="1" fill="hold">
+                                          <p:stCondLst>
+                                            <p:cond delay="0"/>
+                                          </p:stCondLst>
+                                        </p:cTn>
+                                        <p:tgtEl>
+                                          <p:spTgt spid="17"/>
+                                        </p:tgtEl>
+                                        <p:attrNameLst>
+                                          <p:attrName>style.visibility</p:attrName>
+                                        </p:attrNameLst>
+                                      </p:cBhvr>
+                                      <p:to>
+                                        <p:strVal val="visible"/>
+                                      </p:to>
+                                    </p:set>
+                                  </p:childTnLst>
+                                </p:cTn>
+                              </p:par>
+                              <p:par>
+                                <p:cTn id="27" presetID="1" presetClass="entr" presetSubtype="0" fill="hold" grpId="0" nodeType="withEffect">
+                                  <p:stCondLst>
+                                    <p:cond delay="0"/>
+                                  </p:stCondLst>
+                                  <p:childTnLst>
+                                    <p:set>
+                                      <p:cBhvr>
+                                        <p:cTn id="28" dur="1" fill="hold">
+                                          <p:stCondLst>
+                                            <p:cond delay="0"/>
+                                          </p:stCondLst>
+                                        </p:cTn>
+                                        <p:tgtEl>
+                                          <p:spTgt spid="21"/>
+                                        </p:tgtEl>
+                                        <p:attrNameLst>
+                                          <p:attrName>style.visibility</p:attrName>
+                                        </p:attrNameLst>
+                                      </p:cBhvr>
+                                      <p:to>
+                                        <p:strVal val="visible"/>
+                                      </p:to>
+                                    </p:set>
+                                  </p:childTnLst>
+                                </p:cTn>
+                              </p:par>
+                            </p:childTnLst>
+                          </p:cTn>
+                        </p:par>
+                      </p:childTnLst>
+                    </p:cTn>
+                  </p:par>
+                  <p:par>
+                    <p:cTn id="29" fill="hold">
+                      <p:stCondLst>
+                        <p:cond delay="indefinite"/>
+                      </p:stCondLst>
+                      <p:childTnLst>
+                        <p:par>
+                          <p:cTn id="30" fill="hold">
+                            <p:stCondLst>
+                              <p:cond delay="0"/>
+                            </p:stCondLst>
+                            <p:childTnLst>
+                              <p:par>
+                                <p:cTn id="31" presetID="1" presetClass="exit" presetSubtype="0" fill="hold" nodeType="clickEffect">
+                                  <p:stCondLst>
+                                    <p:cond delay="0"/>
+                                  </p:stCondLst>
+                                  <p:childTnLst>
+                                    <p:set>
+                                      <p:cBhvr>
+                                        <p:cTn id="32" dur="1" fill="hold">
+                                          <p:stCondLst>
+                                            <p:cond delay="0"/>
+                                          </p:stCondLst>
+                                        </p:cTn>
+                                        <p:tgtEl>
+                                          <p:spTgt spid="17"/>
+                                        </p:tgtEl>
+                                        <p:attrNameLst>
+                                          <p:attrName>style.visibility</p:attrName>
+                                        </p:attrNameLst>
+                                      </p:cBhvr>
+                                      <p:to>
+                                        <p:strVal val="hidden"/>
+                                      </p:to>
+                                    </p:set>
+                                  </p:childTnLst>
+                                </p:cTn>
+                              </p:par>
+                              <p:par>
+                                <p:cTn id="33" presetID="1" presetClass="exit" presetSubtype="0" fill="hold" grpId="1" nodeType="withEffect">
+                                  <p:stCondLst>
+                                    <p:cond delay="0"/>
+                                  </p:stCondLst>
+                                  <p:childTnLst>
+                                    <p:set>
+                                      <p:cBhvr>
+                                        <p:cTn id="34" dur="1" fill="hold">
+                                          <p:stCondLst>
+                                            <p:cond delay="0"/>
+                                          </p:stCondLst>
+                                        </p:cTn>
+                                        <p:tgtEl>
+                                          <p:spTgt spid="21"/>
+                                        </p:tgtEl>
+                                        <p:attrNameLst>
+                                          <p:attrName>style.visibility</p:attrName>
+                                        </p:attrNameLst>
+                                      </p:cBhvr>
+                                      <p:to>
+                                        <p:strVal val="hidden"/>
+                                      </p:to>
+                                    </p:set>
+                                  </p:childTnLst>
+                                </p:cTn>
+                              </p:par>
+                              <p:par>
+                                <p:cTn id="35" presetID="1" presetClass="entr" presetSubtype="0" fill="hold" nodeType="withEffect">
+                                  <p:stCondLst>
+                                    <p:cond delay="0"/>
+                                  </p:stCondLst>
+                                  <p:childTnLst>
+                                    <p:set>
+                                      <p:cBhvr>
+                                        <p:cTn id="36" dur="1" fill="hold">
+                                          <p:stCondLst>
+                                            <p:cond delay="0"/>
+                                          </p:stCondLst>
+                                        </p:cTn>
+                                        <p:tgtEl>
+                                          <p:spTgt spid="14"/>
+                                        </p:tgtEl>
+                                        <p:attrNameLst>
+                                          <p:attrName>style.visibility</p:attrName>
+                                        </p:attrNameLst>
+                                      </p:cBhvr>
+                                      <p:to>
+                                        <p:strVal val="visible"/>
+                                      </p:to>
+                                    </p:set>
+                                  </p:childTnLst>
+                                </p:cTn>
+                              </p:par>
+                              <p:par>
+                                <p:cTn id="37" presetID="1" presetClass="entr" presetSubtype="0" fill="hold" grpId="0" nodeType="withEffect">
+                                  <p:stCondLst>
+                                    <p:cond delay="0"/>
+                                  </p:stCondLst>
+                                  <p:childTnLst>
+                                    <p:set>
+                                      <p:cBhvr>
+                                        <p:cTn id="38" dur="1" fill="hold">
+                                          <p:stCondLst>
+                                            <p:cond delay="0"/>
+                                          </p:stCondLst>
+                                        </p:cTn>
+                                        <p:tgtEl>
+                                          <p:spTgt spid="22"/>
+                                        </p:tgtEl>
+                                        <p:attrNameLst>
+                                          <p:attrName>style.visibility</p:attrName>
+                                        </p:attrNameLst>
+                                      </p:cBhvr>
+                                      <p:to>
+                                        <p:strVal val="visible"/>
+                                      </p:to>
+                                    </p:set>
+                                  </p:childTnLst>
+                                </p:cTn>
+                              </p:par>
+                            </p:childTnLst>
+                          </p:cTn>
+                        </p:par>
+                      </p:childTnLst>
+                    </p:cTn>
+                  </p:par>
+                </p:childTnLst>
+              </p:cTn>
+              <p:prevCondLst>
+                <p:cond evt="onPrev" delay="0">
+                  <p:tgtEl>
+                    <p:sldTgt/>
+                  </p:tgtEl>
+                </p:cond>
+              </p:prevCondLst>
+              <p:nextCondLst>
+                <p:cond evt="onNext" delay="0">
+                  <p:tgtEl>
+                    <p:sldTgt/>
+                  </p:tgtEl>
+                </p:cond>
+              </p:nextCondLst>
+            </p:seq>
+          </p:childTnLst>
+        </p:cTn>
+      </p:par>
+    </p:tnLst>
+    <p:bldLst>
+      <p:bldP spid="19" grpId="0"/>
+      <p:bldP spid="19" grpId="1"/>
+      <p:bldP spid="20" grpId="0"/>
+      <p:bldP spid="20" grpId="1"/>
+      <p:bldP spid="21" grpId="0"/>
+      <p:bldP spid="21" grpId="1"/>
+      <p:bldP spid="22" grpId="0"/>
+    </p:bldLst>
+  </p:timing>
 </p:sld>
 </file>
 
@@ -11581,10 +12804,10 @@
       </p:sp>
       <p:pic>
         <p:nvPicPr>
-          <p:cNvPr id="5" name="Picture 4">
+          <p:cNvPr id="4" name="Picture 3">
             <a:extLst>
               <a:ext uri="{FF2B5EF4-FFF2-40B4-BE49-F238E27FC236}">
-                <a16:creationId xmlns:a16="http://schemas.microsoft.com/office/drawing/2014/main" id="{60FF3CDD-13E9-D0B4-0F44-8070FE05EEA2}"/>
+                <a16:creationId xmlns:a16="http://schemas.microsoft.com/office/drawing/2014/main" id="{72E490EB-5808-A3BA-478B-8A7EC5BB71AF}"/>
               </a:ext>
             </a:extLst>
           </p:cNvPr>
@@ -11607,14 +12830,55 @@
         </p:blipFill>
         <p:spPr>
           <a:xfrm>
-            <a:off x="5206526" y="2313486"/>
-            <a:ext cx="7874947" cy="6827282"/>
+            <a:off x="1392652" y="3140293"/>
+            <a:ext cx="15502695" cy="6000475"/>
           </a:xfrm>
           <a:prstGeom prst="rect">
             <a:avLst/>
           </a:prstGeom>
         </p:spPr>
       </p:pic>
+      <p:sp>
+        <p:nvSpPr>
+          <p:cNvPr id="6" name="TextBox 5">
+            <a:extLst>
+              <a:ext uri="{FF2B5EF4-FFF2-40B4-BE49-F238E27FC236}">
+                <a16:creationId xmlns:a16="http://schemas.microsoft.com/office/drawing/2014/main" id="{9A3DFCEA-7225-0EE0-B900-0F2A673DB07D}"/>
+              </a:ext>
+            </a:extLst>
+          </p:cNvPr>
+          <p:cNvSpPr txBox="1"/>
+          <p:nvPr/>
+        </p:nvSpPr>
+        <p:spPr>
+          <a:xfrm>
+            <a:off x="10654302" y="1111118"/>
+            <a:ext cx="3513762" cy="1200329"/>
+          </a:xfrm>
+          <a:prstGeom prst="rect">
+            <a:avLst/>
+          </a:prstGeom>
+          <a:noFill/>
+        </p:spPr>
+        <p:txBody>
+          <a:bodyPr wrap="square" rtlCol="0">
+            <a:spAutoFit/>
+          </a:bodyPr>
+          <a:lstStyle/>
+          <a:p>
+            <a:r>
+              <a:rPr lang="en-US" dirty="0"/>
+              <a:t>WHY do we need this?</a:t>
+            </a:r>
+          </a:p>
+          <a:p>
+            <a:r>
+              <a:rPr lang="en-US" dirty="0"/>
+              <a:t>Nodes – to run docker containers, Namespaces - to simplify resource management, like folders for files.</a:t>
+            </a:r>
+          </a:p>
+        </p:txBody>
+      </p:sp>
     </p:spTree>
     <p:extLst>
       <p:ext uri="{BB962C8B-B14F-4D97-AF65-F5344CB8AC3E}">
@@ -11676,10 +12940,10 @@
       </p:sp>
       <p:pic>
         <p:nvPicPr>
-          <p:cNvPr id="5" name="Picture 4">
+          <p:cNvPr id="4" name="Picture 3">
             <a:extLst>
               <a:ext uri="{FF2B5EF4-FFF2-40B4-BE49-F238E27FC236}">
-                <a16:creationId xmlns:a16="http://schemas.microsoft.com/office/drawing/2014/main" id="{D2A113CE-1468-4B57-5B7B-EE4AB0807012}"/>
+                <a16:creationId xmlns:a16="http://schemas.microsoft.com/office/drawing/2014/main" id="{1EBC2B00-923A-C683-59B6-861349277516}"/>
               </a:ext>
             </a:extLst>
           </p:cNvPr>
@@ -11702,14 +12966,55 @@
         </p:blipFill>
         <p:spPr>
           <a:xfrm>
-            <a:off x="5557591" y="1997747"/>
-            <a:ext cx="7172818" cy="7785880"/>
+            <a:off x="6312494" y="3069771"/>
+            <a:ext cx="5863908" cy="5840547"/>
           </a:xfrm>
           <a:prstGeom prst="rect">
             <a:avLst/>
           </a:prstGeom>
         </p:spPr>
       </p:pic>
+      <p:sp>
+        <p:nvSpPr>
+          <p:cNvPr id="6" name="TextBox 5">
+            <a:extLst>
+              <a:ext uri="{FF2B5EF4-FFF2-40B4-BE49-F238E27FC236}">
+                <a16:creationId xmlns:a16="http://schemas.microsoft.com/office/drawing/2014/main" id="{FC1BDF3A-33C9-E0D7-BE04-26E52D86563A}"/>
+              </a:ext>
+            </a:extLst>
+          </p:cNvPr>
+          <p:cNvSpPr txBox="1"/>
+          <p:nvPr/>
+        </p:nvSpPr>
+        <p:spPr>
+          <a:xfrm>
+            <a:off x="10654302" y="1111118"/>
+            <a:ext cx="3513762" cy="923330"/>
+          </a:xfrm>
+          <a:prstGeom prst="rect">
+            <a:avLst/>
+          </a:prstGeom>
+          <a:noFill/>
+        </p:spPr>
+        <p:txBody>
+          <a:bodyPr wrap="square" rtlCol="0">
+            <a:spAutoFit/>
+          </a:bodyPr>
+          <a:lstStyle/>
+          <a:p>
+            <a:r>
+              <a:rPr lang="en-US" dirty="0"/>
+              <a:t>WHY do we need this?</a:t>
+            </a:r>
+          </a:p>
+          <a:p>
+            <a:r>
+              <a:rPr lang="en-US" dirty="0"/>
+              <a:t>To configure and run docker container in an efficient way.</a:t>
+            </a:r>
+          </a:p>
+        </p:txBody>
+      </p:sp>
     </p:spTree>
     <p:extLst>
       <p:ext uri="{BB962C8B-B14F-4D97-AF65-F5344CB8AC3E}">
@@ -11805,6 +13110,47 @@
           </a:prstGeom>
         </p:spPr>
       </p:pic>
+      <p:sp>
+        <p:nvSpPr>
+          <p:cNvPr id="4" name="TextBox 3">
+            <a:extLst>
+              <a:ext uri="{FF2B5EF4-FFF2-40B4-BE49-F238E27FC236}">
+                <a16:creationId xmlns:a16="http://schemas.microsoft.com/office/drawing/2014/main" id="{A518D08B-AF5A-728E-A98D-4E1C5FEE9B11}"/>
+              </a:ext>
+            </a:extLst>
+          </p:cNvPr>
+          <p:cNvSpPr txBox="1"/>
+          <p:nvPr/>
+        </p:nvSpPr>
+        <p:spPr>
+          <a:xfrm>
+            <a:off x="10654302" y="1111118"/>
+            <a:ext cx="3513762" cy="923330"/>
+          </a:xfrm>
+          <a:prstGeom prst="rect">
+            <a:avLst/>
+          </a:prstGeom>
+          <a:noFill/>
+        </p:spPr>
+        <p:txBody>
+          <a:bodyPr wrap="square" rtlCol="0">
+            <a:spAutoFit/>
+          </a:bodyPr>
+          <a:lstStyle/>
+          <a:p>
+            <a:r>
+              <a:rPr lang="en-US" dirty="0"/>
+              <a:t>WHY do we need this?</a:t>
+            </a:r>
+          </a:p>
+          <a:p>
+            <a:r>
+              <a:rPr lang="en-US" dirty="0"/>
+              <a:t>To make pods scalable and fault-tolerant.</a:t>
+            </a:r>
+          </a:p>
+        </p:txBody>
+      </p:sp>
     </p:spTree>
     <p:extLst>
       <p:ext uri="{BB962C8B-B14F-4D97-AF65-F5344CB8AC3E}">
@@ -11858,52 +13204,622 @@
           <a:p>
             <a:r>
               <a:rPr lang="en-US" dirty="0"/>
-              <a:t>Service</a:t>
+              <a:t>Deployment Affinity</a:t>
             </a:r>
             <a:endParaRPr lang="en-RU" dirty="0"/>
           </a:p>
         </p:txBody>
       </p:sp>
-      <p:pic>
-        <p:nvPicPr>
-          <p:cNvPr id="5" name="Picture 4">
+      <p:sp>
+        <p:nvSpPr>
+          <p:cNvPr id="4" name="TextBox 3">
             <a:extLst>
               <a:ext uri="{FF2B5EF4-FFF2-40B4-BE49-F238E27FC236}">
-                <a16:creationId xmlns:a16="http://schemas.microsoft.com/office/drawing/2014/main" id="{DA110DCA-B0EE-521A-3320-AC315DDB69DC}"/>
+                <a16:creationId xmlns:a16="http://schemas.microsoft.com/office/drawing/2014/main" id="{A518D08B-AF5A-728E-A98D-4E1C5FEE9B11}"/>
               </a:ext>
             </a:extLst>
           </p:cNvPr>
-          <p:cNvPicPr>
-            <a:picLocks noChangeAspect="1"/>
-          </p:cNvPicPr>
+          <p:cNvSpPr txBox="1"/>
           <p:nvPr/>
-        </p:nvPicPr>
-        <p:blipFill>
-          <a:blip r:embed="rId2">
-            <a:extLst>
-              <a:ext uri="{28A0092B-C50C-407E-A947-70E740481C1C}">
-                <a14:useLocalDpi xmlns:a14="http://schemas.microsoft.com/office/drawing/2010/main" val="0"/>
-              </a:ext>
-            </a:extLst>
-          </a:blip>
-          <a:stretch>
-            <a:fillRect/>
-          </a:stretch>
-        </p:blipFill>
-        <p:spPr>
-          <a:xfrm>
-            <a:off x="6250080" y="1572783"/>
-            <a:ext cx="5787839" cy="8089822"/>
+        </p:nvSpPr>
+        <p:spPr>
+          <a:xfrm>
+            <a:off x="10654302" y="1111118"/>
+            <a:ext cx="3513762" cy="923330"/>
           </a:xfrm>
           <a:prstGeom prst="rect">
             <a:avLst/>
           </a:prstGeom>
-        </p:spPr>
-      </p:pic>
+          <a:noFill/>
+        </p:spPr>
+        <p:txBody>
+          <a:bodyPr wrap="square" rtlCol="0">
+            <a:spAutoFit/>
+          </a:bodyPr>
+          <a:lstStyle/>
+          <a:p>
+            <a:r>
+              <a:rPr lang="en-US" dirty="0"/>
+              <a:t>WHY do we need this?</a:t>
+            </a:r>
+          </a:p>
+          <a:p>
+            <a:r>
+              <a:rPr lang="en-US" dirty="0"/>
+              <a:t>To manage scheduling process for pods.</a:t>
+            </a:r>
+          </a:p>
+        </p:txBody>
+      </p:sp>
+      <p:sp>
+        <p:nvSpPr>
+          <p:cNvPr id="5" name="TextBox 4">
+            <a:extLst>
+              <a:ext uri="{FF2B5EF4-FFF2-40B4-BE49-F238E27FC236}">
+                <a16:creationId xmlns:a16="http://schemas.microsoft.com/office/drawing/2014/main" id="{BCEB8746-5508-172E-2CE7-B76A14ACFCF9}"/>
+              </a:ext>
+            </a:extLst>
+          </p:cNvPr>
+          <p:cNvSpPr txBox="1"/>
+          <p:nvPr/>
+        </p:nvSpPr>
+        <p:spPr>
+          <a:xfrm>
+            <a:off x="6810177" y="3864748"/>
+            <a:ext cx="2449286" cy="707886"/>
+          </a:xfrm>
+          <a:prstGeom prst="rect">
+            <a:avLst/>
+          </a:prstGeom>
+          <a:noFill/>
+        </p:spPr>
+        <p:txBody>
+          <a:bodyPr wrap="square" rtlCol="0">
+            <a:spAutoFit/>
+          </a:bodyPr>
+          <a:lstStyle/>
+          <a:p>
+            <a:r>
+              <a:rPr lang="en-US" sz="4000" dirty="0"/>
+              <a:t>Affinities</a:t>
+            </a:r>
+          </a:p>
+        </p:txBody>
+      </p:sp>
+      <p:sp>
+        <p:nvSpPr>
+          <p:cNvPr id="6" name="TextBox 5">
+            <a:extLst>
+              <a:ext uri="{FF2B5EF4-FFF2-40B4-BE49-F238E27FC236}">
+                <a16:creationId xmlns:a16="http://schemas.microsoft.com/office/drawing/2014/main" id="{D2AF39E9-08E3-BD7F-C631-700DC8D1C1B2}"/>
+              </a:ext>
+            </a:extLst>
+          </p:cNvPr>
+          <p:cNvSpPr txBox="1"/>
+          <p:nvPr/>
+        </p:nvSpPr>
+        <p:spPr>
+          <a:xfrm>
+            <a:off x="5868562" y="5053383"/>
+            <a:ext cx="2449286" cy="584775"/>
+          </a:xfrm>
+          <a:prstGeom prst="rect">
+            <a:avLst/>
+          </a:prstGeom>
+          <a:noFill/>
+        </p:spPr>
+        <p:txBody>
+          <a:bodyPr wrap="square" rtlCol="0">
+            <a:spAutoFit/>
+          </a:bodyPr>
+          <a:lstStyle/>
+          <a:p>
+            <a:r>
+              <a:rPr lang="en-US" sz="3200" dirty="0"/>
+              <a:t>Node</a:t>
+            </a:r>
+          </a:p>
+        </p:txBody>
+      </p:sp>
+      <p:sp>
+        <p:nvSpPr>
+          <p:cNvPr id="7" name="TextBox 6">
+            <a:extLst>
+              <a:ext uri="{FF2B5EF4-FFF2-40B4-BE49-F238E27FC236}">
+                <a16:creationId xmlns:a16="http://schemas.microsoft.com/office/drawing/2014/main" id="{73BFF6E4-D757-7AD4-6771-E0277B4AD725}"/>
+              </a:ext>
+            </a:extLst>
+          </p:cNvPr>
+          <p:cNvSpPr txBox="1"/>
+          <p:nvPr/>
+        </p:nvSpPr>
+        <p:spPr>
+          <a:xfrm>
+            <a:off x="8852717" y="5053382"/>
+            <a:ext cx="2449286" cy="584775"/>
+          </a:xfrm>
+          <a:prstGeom prst="rect">
+            <a:avLst/>
+          </a:prstGeom>
+          <a:noFill/>
+        </p:spPr>
+        <p:txBody>
+          <a:bodyPr wrap="square" rtlCol="0">
+            <a:spAutoFit/>
+          </a:bodyPr>
+          <a:lstStyle/>
+          <a:p>
+            <a:r>
+              <a:rPr lang="en-US" sz="3200" dirty="0"/>
+              <a:t>Pod</a:t>
+            </a:r>
+          </a:p>
+        </p:txBody>
+      </p:sp>
+      <p:cxnSp>
+        <p:nvCxnSpPr>
+          <p:cNvPr id="13" name="Straight Arrow Connector 12">
+            <a:extLst>
+              <a:ext uri="{FF2B5EF4-FFF2-40B4-BE49-F238E27FC236}">
+                <a16:creationId xmlns:a16="http://schemas.microsoft.com/office/drawing/2014/main" id="{27108E6B-113D-3397-065A-3F812ED31274}"/>
+              </a:ext>
+            </a:extLst>
+          </p:cNvPr>
+          <p:cNvCxnSpPr>
+            <a:cxnSpLocks/>
+          </p:cNvCxnSpPr>
+          <p:nvPr/>
+        </p:nvCxnSpPr>
+        <p:spPr>
+          <a:xfrm flipH="1">
+            <a:off x="6516263" y="4572634"/>
+            <a:ext cx="1030877" cy="480748"/>
+          </a:xfrm>
+          <a:prstGeom prst="straightConnector1">
+            <a:avLst/>
+          </a:prstGeom>
+          <a:ln w="28575">
+            <a:tailEnd type="triangle"/>
+          </a:ln>
+        </p:spPr>
+        <p:style>
+          <a:lnRef idx="1">
+            <a:schemeClr val="dk1"/>
+          </a:lnRef>
+          <a:fillRef idx="0">
+            <a:schemeClr val="dk1"/>
+          </a:fillRef>
+          <a:effectRef idx="0">
+            <a:schemeClr val="dk1"/>
+          </a:effectRef>
+          <a:fontRef idx="minor">
+            <a:schemeClr val="tx1"/>
+          </a:fontRef>
+        </p:style>
+      </p:cxnSp>
+      <p:cxnSp>
+        <p:nvCxnSpPr>
+          <p:cNvPr id="15" name="Straight Arrow Connector 14">
+            <a:extLst>
+              <a:ext uri="{FF2B5EF4-FFF2-40B4-BE49-F238E27FC236}">
+                <a16:creationId xmlns:a16="http://schemas.microsoft.com/office/drawing/2014/main" id="{77599BD0-206B-BE62-C874-CE0D16F2C4E3}"/>
+              </a:ext>
+            </a:extLst>
+          </p:cNvPr>
+          <p:cNvCxnSpPr>
+            <a:cxnSpLocks/>
+            <a:stCxn id="5" idx="2"/>
+          </p:cNvCxnSpPr>
+          <p:nvPr/>
+        </p:nvCxnSpPr>
+        <p:spPr>
+          <a:xfrm>
+            <a:off x="8034820" y="4572634"/>
+            <a:ext cx="1224643" cy="480748"/>
+          </a:xfrm>
+          <a:prstGeom prst="straightConnector1">
+            <a:avLst/>
+          </a:prstGeom>
+          <a:ln w="28575">
+            <a:tailEnd type="triangle"/>
+          </a:ln>
+        </p:spPr>
+        <p:style>
+          <a:lnRef idx="1">
+            <a:schemeClr val="dk1"/>
+          </a:lnRef>
+          <a:fillRef idx="0">
+            <a:schemeClr val="dk1"/>
+          </a:fillRef>
+          <a:effectRef idx="0">
+            <a:schemeClr val="dk1"/>
+          </a:effectRef>
+          <a:fontRef idx="minor">
+            <a:schemeClr val="tx1"/>
+          </a:fontRef>
+        </p:style>
+      </p:cxnSp>
+      <p:sp>
+        <p:nvSpPr>
+          <p:cNvPr id="18" name="TextBox 17">
+            <a:extLst>
+              <a:ext uri="{FF2B5EF4-FFF2-40B4-BE49-F238E27FC236}">
+                <a16:creationId xmlns:a16="http://schemas.microsoft.com/office/drawing/2014/main" id="{ADF5A837-ED60-3094-DF12-46E20834638F}"/>
+              </a:ext>
+            </a:extLst>
+          </p:cNvPr>
+          <p:cNvSpPr txBox="1"/>
+          <p:nvPr/>
+        </p:nvSpPr>
+        <p:spPr>
+          <a:xfrm>
+            <a:off x="2405399" y="6844972"/>
+            <a:ext cx="2449286" cy="707886"/>
+          </a:xfrm>
+          <a:prstGeom prst="rect">
+            <a:avLst/>
+          </a:prstGeom>
+          <a:noFill/>
+        </p:spPr>
+        <p:txBody>
+          <a:bodyPr wrap="square" rtlCol="0">
+            <a:spAutoFit/>
+          </a:bodyPr>
+          <a:lstStyle/>
+          <a:p>
+            <a:r>
+              <a:rPr lang="en-US" sz="4000" dirty="0"/>
+              <a:t>Affinities</a:t>
+            </a:r>
+          </a:p>
+        </p:txBody>
+      </p:sp>
+      <p:sp>
+        <p:nvSpPr>
+          <p:cNvPr id="19" name="TextBox 18">
+            <a:extLst>
+              <a:ext uri="{FF2B5EF4-FFF2-40B4-BE49-F238E27FC236}">
+                <a16:creationId xmlns:a16="http://schemas.microsoft.com/office/drawing/2014/main" id="{27705BCF-8EBD-13DD-E3A0-A3F14524BA47}"/>
+              </a:ext>
+            </a:extLst>
+          </p:cNvPr>
+          <p:cNvSpPr txBox="1"/>
+          <p:nvPr/>
+        </p:nvSpPr>
+        <p:spPr>
+          <a:xfrm>
+            <a:off x="1463784" y="8033607"/>
+            <a:ext cx="2449286" cy="584775"/>
+          </a:xfrm>
+          <a:prstGeom prst="rect">
+            <a:avLst/>
+          </a:prstGeom>
+          <a:noFill/>
+        </p:spPr>
+        <p:txBody>
+          <a:bodyPr wrap="square" rtlCol="0">
+            <a:spAutoFit/>
+          </a:bodyPr>
+          <a:lstStyle/>
+          <a:p>
+            <a:r>
+              <a:rPr lang="en-US" sz="3200" dirty="0"/>
+              <a:t>Affinity</a:t>
+            </a:r>
+          </a:p>
+        </p:txBody>
+      </p:sp>
+      <p:sp>
+        <p:nvSpPr>
+          <p:cNvPr id="20" name="TextBox 19">
+            <a:extLst>
+              <a:ext uri="{FF2B5EF4-FFF2-40B4-BE49-F238E27FC236}">
+                <a16:creationId xmlns:a16="http://schemas.microsoft.com/office/drawing/2014/main" id="{FF0E920C-DB29-4027-646E-3F62FF6966D3}"/>
+              </a:ext>
+            </a:extLst>
+          </p:cNvPr>
+          <p:cNvSpPr txBox="1"/>
+          <p:nvPr/>
+        </p:nvSpPr>
+        <p:spPr>
+          <a:xfrm>
+            <a:off x="4447939" y="8033606"/>
+            <a:ext cx="2449286" cy="584775"/>
+          </a:xfrm>
+          <a:prstGeom prst="rect">
+            <a:avLst/>
+          </a:prstGeom>
+          <a:noFill/>
+        </p:spPr>
+        <p:txBody>
+          <a:bodyPr wrap="square" rtlCol="0">
+            <a:spAutoFit/>
+          </a:bodyPr>
+          <a:lstStyle/>
+          <a:p>
+            <a:r>
+              <a:rPr lang="en-US" sz="3200" dirty="0" err="1"/>
+              <a:t>AntiAffinity</a:t>
+            </a:r>
+            <a:endParaRPr lang="en-US" sz="3200" dirty="0"/>
+          </a:p>
+        </p:txBody>
+      </p:sp>
+      <p:cxnSp>
+        <p:nvCxnSpPr>
+          <p:cNvPr id="21" name="Straight Arrow Connector 20">
+            <a:extLst>
+              <a:ext uri="{FF2B5EF4-FFF2-40B4-BE49-F238E27FC236}">
+                <a16:creationId xmlns:a16="http://schemas.microsoft.com/office/drawing/2014/main" id="{AB29A5EB-337D-8501-0990-33073175C3A0}"/>
+              </a:ext>
+            </a:extLst>
+          </p:cNvPr>
+          <p:cNvCxnSpPr>
+            <a:cxnSpLocks/>
+          </p:cNvCxnSpPr>
+          <p:nvPr/>
+        </p:nvCxnSpPr>
+        <p:spPr>
+          <a:xfrm flipH="1">
+            <a:off x="2111485" y="7552858"/>
+            <a:ext cx="1030877" cy="480748"/>
+          </a:xfrm>
+          <a:prstGeom prst="straightConnector1">
+            <a:avLst/>
+          </a:prstGeom>
+          <a:ln w="28575">
+            <a:tailEnd type="triangle"/>
+          </a:ln>
+        </p:spPr>
+        <p:style>
+          <a:lnRef idx="1">
+            <a:schemeClr val="dk1"/>
+          </a:lnRef>
+          <a:fillRef idx="0">
+            <a:schemeClr val="dk1"/>
+          </a:fillRef>
+          <a:effectRef idx="0">
+            <a:schemeClr val="dk1"/>
+          </a:effectRef>
+          <a:fontRef idx="minor">
+            <a:schemeClr val="tx1"/>
+          </a:fontRef>
+        </p:style>
+      </p:cxnSp>
+      <p:cxnSp>
+        <p:nvCxnSpPr>
+          <p:cNvPr id="22" name="Straight Arrow Connector 21">
+            <a:extLst>
+              <a:ext uri="{FF2B5EF4-FFF2-40B4-BE49-F238E27FC236}">
+                <a16:creationId xmlns:a16="http://schemas.microsoft.com/office/drawing/2014/main" id="{98DEC4E8-FC52-43D1-CFA2-DBA55596D3C8}"/>
+              </a:ext>
+            </a:extLst>
+          </p:cNvPr>
+          <p:cNvCxnSpPr>
+            <a:cxnSpLocks/>
+            <a:stCxn id="18" idx="2"/>
+          </p:cNvCxnSpPr>
+          <p:nvPr/>
+        </p:nvCxnSpPr>
+        <p:spPr>
+          <a:xfrm>
+            <a:off x="3630042" y="7552858"/>
+            <a:ext cx="1224643" cy="480748"/>
+          </a:xfrm>
+          <a:prstGeom prst="straightConnector1">
+            <a:avLst/>
+          </a:prstGeom>
+          <a:ln w="28575">
+            <a:tailEnd type="triangle"/>
+          </a:ln>
+        </p:spPr>
+        <p:style>
+          <a:lnRef idx="1">
+            <a:schemeClr val="dk1"/>
+          </a:lnRef>
+          <a:fillRef idx="0">
+            <a:schemeClr val="dk1"/>
+          </a:fillRef>
+          <a:effectRef idx="0">
+            <a:schemeClr val="dk1"/>
+          </a:effectRef>
+          <a:fontRef idx="minor">
+            <a:schemeClr val="tx1"/>
+          </a:fontRef>
+        </p:style>
+      </p:cxnSp>
+      <p:sp>
+        <p:nvSpPr>
+          <p:cNvPr id="28" name="TextBox 27">
+            <a:extLst>
+              <a:ext uri="{FF2B5EF4-FFF2-40B4-BE49-F238E27FC236}">
+                <a16:creationId xmlns:a16="http://schemas.microsoft.com/office/drawing/2014/main" id="{DF25CBB2-8ECA-D77F-8370-E0C976D4964B}"/>
+              </a:ext>
+            </a:extLst>
+          </p:cNvPr>
+          <p:cNvSpPr txBox="1"/>
+          <p:nvPr/>
+        </p:nvSpPr>
+        <p:spPr>
+          <a:xfrm>
+            <a:off x="11595917" y="6760573"/>
+            <a:ext cx="2449286" cy="707886"/>
+          </a:xfrm>
+          <a:prstGeom prst="rect">
+            <a:avLst/>
+          </a:prstGeom>
+          <a:noFill/>
+        </p:spPr>
+        <p:txBody>
+          <a:bodyPr wrap="square" rtlCol="0">
+            <a:spAutoFit/>
+          </a:bodyPr>
+          <a:lstStyle/>
+          <a:p>
+            <a:r>
+              <a:rPr lang="en-US" sz="4000" dirty="0"/>
+              <a:t>Affinities</a:t>
+            </a:r>
+          </a:p>
+        </p:txBody>
+      </p:sp>
+      <p:sp>
+        <p:nvSpPr>
+          <p:cNvPr id="29" name="TextBox 28">
+            <a:extLst>
+              <a:ext uri="{FF2B5EF4-FFF2-40B4-BE49-F238E27FC236}">
+                <a16:creationId xmlns:a16="http://schemas.microsoft.com/office/drawing/2014/main" id="{4D3F62E1-7534-4389-0169-4A89C0799BF5}"/>
+              </a:ext>
+            </a:extLst>
+          </p:cNvPr>
+          <p:cNvSpPr txBox="1"/>
+          <p:nvPr/>
+        </p:nvSpPr>
+        <p:spPr>
+          <a:xfrm>
+            <a:off x="10654302" y="7949208"/>
+            <a:ext cx="2449286" cy="584775"/>
+          </a:xfrm>
+          <a:prstGeom prst="rect">
+            <a:avLst/>
+          </a:prstGeom>
+          <a:noFill/>
+        </p:spPr>
+        <p:txBody>
+          <a:bodyPr wrap="square" rtlCol="0">
+            <a:spAutoFit/>
+          </a:bodyPr>
+          <a:lstStyle/>
+          <a:p>
+            <a:r>
+              <a:rPr lang="en-US" sz="3200" dirty="0"/>
+              <a:t>Required</a:t>
+            </a:r>
+          </a:p>
+        </p:txBody>
+      </p:sp>
+      <p:sp>
+        <p:nvSpPr>
+          <p:cNvPr id="30" name="TextBox 29">
+            <a:extLst>
+              <a:ext uri="{FF2B5EF4-FFF2-40B4-BE49-F238E27FC236}">
+                <a16:creationId xmlns:a16="http://schemas.microsoft.com/office/drawing/2014/main" id="{2A23CE38-F54F-0CD8-5AC0-4E95E88430D5}"/>
+              </a:ext>
+            </a:extLst>
+          </p:cNvPr>
+          <p:cNvSpPr txBox="1"/>
+          <p:nvPr/>
+        </p:nvSpPr>
+        <p:spPr>
+          <a:xfrm>
+            <a:off x="13638457" y="7949207"/>
+            <a:ext cx="2449286" cy="584775"/>
+          </a:xfrm>
+          <a:prstGeom prst="rect">
+            <a:avLst/>
+          </a:prstGeom>
+          <a:noFill/>
+        </p:spPr>
+        <p:txBody>
+          <a:bodyPr wrap="square" rtlCol="0">
+            <a:spAutoFit/>
+          </a:bodyPr>
+          <a:lstStyle/>
+          <a:p>
+            <a:r>
+              <a:rPr lang="en-US" sz="3200" dirty="0"/>
+              <a:t>Preferred</a:t>
+            </a:r>
+          </a:p>
+        </p:txBody>
+      </p:sp>
+      <p:cxnSp>
+        <p:nvCxnSpPr>
+          <p:cNvPr id="31" name="Straight Arrow Connector 30">
+            <a:extLst>
+              <a:ext uri="{FF2B5EF4-FFF2-40B4-BE49-F238E27FC236}">
+                <a16:creationId xmlns:a16="http://schemas.microsoft.com/office/drawing/2014/main" id="{7BD81FBD-66DD-0E7D-4C64-5181C7AC1A60}"/>
+              </a:ext>
+            </a:extLst>
+          </p:cNvPr>
+          <p:cNvCxnSpPr>
+            <a:cxnSpLocks/>
+          </p:cNvCxnSpPr>
+          <p:nvPr/>
+        </p:nvCxnSpPr>
+        <p:spPr>
+          <a:xfrm flipH="1">
+            <a:off x="11302003" y="7468459"/>
+            <a:ext cx="1030877" cy="480748"/>
+          </a:xfrm>
+          <a:prstGeom prst="straightConnector1">
+            <a:avLst/>
+          </a:prstGeom>
+          <a:ln w="28575">
+            <a:tailEnd type="triangle"/>
+          </a:ln>
+        </p:spPr>
+        <p:style>
+          <a:lnRef idx="1">
+            <a:schemeClr val="dk1"/>
+          </a:lnRef>
+          <a:fillRef idx="0">
+            <a:schemeClr val="dk1"/>
+          </a:fillRef>
+          <a:effectRef idx="0">
+            <a:schemeClr val="dk1"/>
+          </a:effectRef>
+          <a:fontRef idx="minor">
+            <a:schemeClr val="tx1"/>
+          </a:fontRef>
+        </p:style>
+      </p:cxnSp>
+      <p:cxnSp>
+        <p:nvCxnSpPr>
+          <p:cNvPr id="32" name="Straight Arrow Connector 31">
+            <a:extLst>
+              <a:ext uri="{FF2B5EF4-FFF2-40B4-BE49-F238E27FC236}">
+                <a16:creationId xmlns:a16="http://schemas.microsoft.com/office/drawing/2014/main" id="{0A15B3BA-276A-658F-C3E6-1613A81B6DC7}"/>
+              </a:ext>
+            </a:extLst>
+          </p:cNvPr>
+          <p:cNvCxnSpPr>
+            <a:cxnSpLocks/>
+            <a:stCxn id="28" idx="2"/>
+          </p:cNvCxnSpPr>
+          <p:nvPr/>
+        </p:nvCxnSpPr>
+        <p:spPr>
+          <a:xfrm>
+            <a:off x="12820560" y="7468459"/>
+            <a:ext cx="1224643" cy="480748"/>
+          </a:xfrm>
+          <a:prstGeom prst="straightConnector1">
+            <a:avLst/>
+          </a:prstGeom>
+          <a:ln w="28575">
+            <a:tailEnd type="triangle"/>
+          </a:ln>
+        </p:spPr>
+        <p:style>
+          <a:lnRef idx="1">
+            <a:schemeClr val="dk1"/>
+          </a:lnRef>
+          <a:fillRef idx="0">
+            <a:schemeClr val="dk1"/>
+          </a:fillRef>
+          <a:effectRef idx="0">
+            <a:schemeClr val="dk1"/>
+          </a:effectRef>
+          <a:fontRef idx="minor">
+            <a:schemeClr val="tx1"/>
+          </a:fontRef>
+        </p:style>
+      </p:cxnSp>
     </p:spTree>
     <p:extLst>
       <p:ext uri="{BB962C8B-B14F-4D97-AF65-F5344CB8AC3E}">
-        <p14:creationId xmlns:p14="http://schemas.microsoft.com/office/powerpoint/2010/main" val="3320755889"/>
+        <p14:creationId xmlns:p14="http://schemas.microsoft.com/office/powerpoint/2010/main" val="889136484"/>
       </p:ext>
     </p:extLst>
   </p:cSld>
@@ -11953,7 +13869,7 @@
           <a:p>
             <a:r>
               <a:rPr lang="en-US" dirty="0"/>
-              <a:t>Ingress</a:t>
+              <a:t>Service</a:t>
             </a:r>
             <a:endParaRPr lang="en-RU" dirty="0"/>
           </a:p>
@@ -11961,10 +13877,10 @@
       </p:sp>
       <p:pic>
         <p:nvPicPr>
-          <p:cNvPr id="4" name="Picture 3">
+          <p:cNvPr id="11" name="Picture 10">
             <a:extLst>
               <a:ext uri="{FF2B5EF4-FFF2-40B4-BE49-F238E27FC236}">
-                <a16:creationId xmlns:a16="http://schemas.microsoft.com/office/drawing/2014/main" id="{ADFF067C-9757-B117-7C46-6B209BC064BA}"/>
+                <a16:creationId xmlns:a16="http://schemas.microsoft.com/office/drawing/2014/main" id="{191EC296-81C2-AAEE-1938-5C2F2F50270E}"/>
               </a:ext>
             </a:extLst>
           </p:cNvPr>
@@ -11987,18 +13903,67 @@
         </p:blipFill>
         <p:spPr>
           <a:xfrm>
-            <a:off x="3727752" y="1997747"/>
-            <a:ext cx="7343066" cy="7174044"/>
+            <a:off x="5742305" y="2678677"/>
+            <a:ext cx="6803389" cy="5844838"/>
           </a:xfrm>
           <a:prstGeom prst="rect">
             <a:avLst/>
           </a:prstGeom>
         </p:spPr>
       </p:pic>
+      <p:sp>
+        <p:nvSpPr>
+          <p:cNvPr id="12" name="TextBox 11">
+            <a:extLst>
+              <a:ext uri="{FF2B5EF4-FFF2-40B4-BE49-F238E27FC236}">
+                <a16:creationId xmlns:a16="http://schemas.microsoft.com/office/drawing/2014/main" id="{CB93B126-DD85-A37F-92D9-AB20DC5081F2}"/>
+              </a:ext>
+            </a:extLst>
+          </p:cNvPr>
+          <p:cNvSpPr txBox="1"/>
+          <p:nvPr/>
+        </p:nvSpPr>
+        <p:spPr>
+          <a:xfrm>
+            <a:off x="10654302" y="1111118"/>
+            <a:ext cx="3513762" cy="646331"/>
+          </a:xfrm>
+          <a:prstGeom prst="rect">
+            <a:avLst/>
+          </a:prstGeom>
+          <a:noFill/>
+        </p:spPr>
+        <p:txBody>
+          <a:bodyPr wrap="square" rtlCol="0">
+            <a:spAutoFit/>
+          </a:bodyPr>
+          <a:lstStyle/>
+          <a:p>
+            <a:r>
+              <a:rPr lang="en-US" dirty="0"/>
+              <a:t>WHY do we need this?</a:t>
+            </a:r>
+          </a:p>
+          <a:p>
+            <a:r>
+              <a:rPr lang="en-US" dirty="0"/>
+              <a:t>To </a:t>
+            </a:r>
+            <a:r>
+              <a:rPr lang="en-US" dirty="0" err="1"/>
+              <a:t>loadbalance</a:t>
+            </a:r>
+            <a:r>
+              <a:rPr lang="en-US" dirty="0"/>
+              <a:t> traffic across pods.</a:t>
+            </a:r>
+          </a:p>
+        </p:txBody>
+      </p:sp>
     </p:spTree>
     <p:extLst>
       <p:ext uri="{BB962C8B-B14F-4D97-AF65-F5344CB8AC3E}">
-        <p14:creationId xmlns:p14="http://schemas.microsoft.com/office/powerpoint/2010/main" val="6171073"/>
+        <p14:creationId xmlns:p14="http://schemas.microsoft.com/office/powerpoint/2010/main" val="3320755889"/>
       </p:ext>
     </p:extLst>
   </p:cSld>
@@ -12505,17 +14470,6 @@
 </file>
 
 <file path=customXml/item1.xml><?xml version="1.0" encoding="utf-8"?>
-<p:properties xmlns:p="http://schemas.microsoft.com/office/2006/metadata/properties" xmlns:xsi="http://www.w3.org/2001/XMLSchema-instance" xmlns:pc="http://schemas.microsoft.com/office/infopath/2007/PartnerControls">
-  <documentManagement>
-    <lcf76f155ced4ddcb4097134ff3c332f xmlns="87e595e6-2bfb-444b-8c2a-22d7ac5c8c1c">
-      <Terms xmlns="http://schemas.microsoft.com/office/infopath/2007/PartnerControls"/>
-    </lcf76f155ced4ddcb4097134ff3c332f>
-    <TaxCatchAll xmlns="d31a9763-ad48-4d75-b4cc-dbd081bef165" xsi:nil="true"/>
-  </documentManagement>
-</p:properties>
-</file>
-
-<file path=customXml/item2.xml><?xml version="1.0" encoding="utf-8"?>
 <?mso-contentType ?>
 <FormTemplates xmlns="http://schemas.microsoft.com/sharepoint/v3/contenttype/forms">
   <Display>DocumentLibraryForm</Display>
@@ -12524,7 +14478,7 @@
 </FormTemplates>
 </file>
 
-<file path=customXml/item3.xml><?xml version="1.0" encoding="utf-8"?>
+<file path=customXml/item2.xml><?xml version="1.0" encoding="utf-8"?>
 <ct:contentTypeSchema xmlns:ct="http://schemas.microsoft.com/office/2006/metadata/contentType" xmlns:ma="http://schemas.microsoft.com/office/2006/metadata/properties/metaAttributes" ct:_="" ma:_="" ma:contentTypeName="Document" ma:contentTypeID="0x010100454DC51C4310A147BD2D10A84BE7DF5B" ma:contentTypeVersion="14" ma:contentTypeDescription="Create a new document." ma:contentTypeScope="" ma:versionID="58153d9a8ca4cd003aa5c61a075b6dbf">
   <xsd:schema xmlns:xsd="http://www.w3.org/2001/XMLSchema" xmlns:xs="http://www.w3.org/2001/XMLSchema" xmlns:p="http://schemas.microsoft.com/office/2006/metadata/properties" xmlns:ns2="87e595e6-2bfb-444b-8c2a-22d7ac5c8c1c" xmlns:ns3="d31a9763-ad48-4d75-b4cc-dbd081bef165" targetNamespace="http://schemas.microsoft.com/office/2006/metadata/properties" ma:root="true" ma:fieldsID="ca74c81c5f13de2ce0dc44d80fd826d0" ns2:_="" ns3:_="">
     <xsd:import namespace="87e595e6-2bfb-444b-8c2a-22d7ac5c8c1c"/>
@@ -12755,24 +14709,18 @@
 </ct:contentTypeSchema>
 </file>
 
-<file path=customXml/itemProps1.xml><?xml version="1.0" encoding="utf-8"?>
-<ds:datastoreItem xmlns:ds="http://schemas.openxmlformats.org/officeDocument/2006/customXml" ds:itemID="{402D52D5-8A09-4C80-995A-0B98512BFFC1}">
-  <ds:schemaRefs>
-    <ds:schemaRef ds:uri="http://purl.org/dc/elements/1.1/"/>
-    <ds:schemaRef ds:uri="87e595e6-2bfb-444b-8c2a-22d7ac5c8c1c"/>
-    <ds:schemaRef ds:uri="http://purl.org/dc/dcmitype/"/>
-    <ds:schemaRef ds:uri="http://schemas.microsoft.com/office/2006/documentManagement/types"/>
-    <ds:schemaRef ds:uri="http://schemas.openxmlformats.org/package/2006/metadata/core-properties"/>
-    <ds:schemaRef ds:uri="http://schemas.microsoft.com/office/infopath/2007/PartnerControls"/>
-    <ds:schemaRef ds:uri="d31a9763-ad48-4d75-b4cc-dbd081bef165"/>
-    <ds:schemaRef ds:uri="http://schemas.microsoft.com/office/2006/metadata/properties"/>
-    <ds:schemaRef ds:uri="http://www.w3.org/XML/1998/namespace"/>
-    <ds:schemaRef ds:uri="http://purl.org/dc/terms/"/>
-  </ds:schemaRefs>
-</ds:datastoreItem>
+<file path=customXml/item3.xml><?xml version="1.0" encoding="utf-8"?>
+<p:properties xmlns:p="http://schemas.microsoft.com/office/2006/metadata/properties" xmlns:xsi="http://www.w3.org/2001/XMLSchema-instance" xmlns:pc="http://schemas.microsoft.com/office/infopath/2007/PartnerControls">
+  <documentManagement>
+    <lcf76f155ced4ddcb4097134ff3c332f xmlns="87e595e6-2bfb-444b-8c2a-22d7ac5c8c1c">
+      <Terms xmlns="http://schemas.microsoft.com/office/infopath/2007/PartnerControls"/>
+    </lcf76f155ced4ddcb4097134ff3c332f>
+    <TaxCatchAll xmlns="d31a9763-ad48-4d75-b4cc-dbd081bef165" xsi:nil="true"/>
+  </documentManagement>
+</p:properties>
 </file>
 
-<file path=customXml/itemProps2.xml><?xml version="1.0" encoding="utf-8"?>
+<file path=customXml/itemProps1.xml><?xml version="1.0" encoding="utf-8"?>
 <ds:datastoreItem xmlns:ds="http://schemas.openxmlformats.org/officeDocument/2006/customXml" ds:itemID="{C174268B-32CC-45F6-B320-01F53DDAC9E9}">
   <ds:schemaRefs>
     <ds:schemaRef ds:uri="http://schemas.microsoft.com/sharepoint/v3/contenttype/forms"/>
@@ -12780,7 +14728,7 @@
 </ds:datastoreItem>
 </file>
 
-<file path=customXml/itemProps3.xml><?xml version="1.0" encoding="utf-8"?>
+<file path=customXml/itemProps2.xml><?xml version="1.0" encoding="utf-8"?>
 <ds:datastoreItem xmlns:ds="http://schemas.openxmlformats.org/officeDocument/2006/customXml" ds:itemID="{F0BD7E9F-81C8-43A4-A403-00941A4FA9DA}">
   <ds:schemaRefs>
     <ds:schemaRef ds:uri="87e595e6-2bfb-444b-8c2a-22d7ac5c8c1c"/>
@@ -12797,4 +14745,21 @@
     <ds:schemaRef ds:uri="http://www.w3.org/2001/XMLSchema"/>
   </ds:schemaRefs>
 </ds:datastoreItem>
+</file>
+
+<file path=customXml/itemProps3.xml><?xml version="1.0" encoding="utf-8"?>
+<ds:datastoreItem xmlns:ds="http://schemas.openxmlformats.org/officeDocument/2006/customXml" ds:itemID="{402D52D5-8A09-4C80-995A-0B98512BFFC1}">
+  <ds:schemaRefs>
+    <ds:schemaRef ds:uri="http://purl.org/dc/elements/1.1/"/>
+    <ds:schemaRef ds:uri="87e595e6-2bfb-444b-8c2a-22d7ac5c8c1c"/>
+    <ds:schemaRef ds:uri="http://purl.org/dc/dcmitype/"/>
+    <ds:schemaRef ds:uri="http://schemas.microsoft.com/office/2006/documentManagement/types"/>
+    <ds:schemaRef ds:uri="http://schemas.openxmlformats.org/package/2006/metadata/core-properties"/>
+    <ds:schemaRef ds:uri="http://schemas.microsoft.com/office/infopath/2007/PartnerControls"/>
+    <ds:schemaRef ds:uri="d31a9763-ad48-4d75-b4cc-dbd081bef165"/>
+    <ds:schemaRef ds:uri="http://schemas.microsoft.com/office/2006/metadata/properties"/>
+    <ds:schemaRef ds:uri="http://www.w3.org/XML/1998/namespace"/>
+    <ds:schemaRef ds:uri="http://purl.org/dc/terms/"/>
+  </ds:schemaRefs>
+</ds:datastoreItem>
 </file>